--- a/Presentation/MINI-PROJECT-PROGRESS-1-SLIDE TEMPLATE (1)-1 (2).pptx
+++ b/Presentation/MINI-PROJECT-PROGRESS-1-SLIDE TEMPLATE (1)-1 (2).pptx
@@ -5,32 +5,33 @@
     <p:sldMasterId id="2147483648" r:id="rId1"/>
   </p:sldMasterIdLst>
   <p:notesMasterIdLst>
-    <p:notesMasterId r:id="rId7"/>
+    <p:notesMasterId r:id="rId26"/>
   </p:notesMasterIdLst>
   <p:sldIdLst>
-    <p:sldId id="256" r:id="rId3"/>
-    <p:sldId id="272" r:id="rId4"/>
-    <p:sldId id="280" r:id="rId5"/>
-    <p:sldId id="283" r:id="rId6"/>
-    <p:sldId id="298" r:id="rId8"/>
-    <p:sldId id="299" r:id="rId9"/>
-    <p:sldId id="300" r:id="rId10"/>
-    <p:sldId id="301" r:id="rId11"/>
-    <p:sldId id="302" r:id="rId12"/>
-    <p:sldId id="303" r:id="rId13"/>
-    <p:sldId id="304" r:id="rId14"/>
-    <p:sldId id="329" r:id="rId15"/>
-    <p:sldId id="330" r:id="rId16"/>
-    <p:sldId id="340" r:id="rId17"/>
-    <p:sldId id="307" r:id="rId18"/>
-    <p:sldId id="308" r:id="rId19"/>
-    <p:sldId id="309" r:id="rId20"/>
-    <p:sldId id="318" r:id="rId21"/>
-    <p:sldId id="331" r:id="rId22"/>
-    <p:sldId id="324" r:id="rId23"/>
-    <p:sldId id="313" r:id="rId24"/>
-    <p:sldId id="296" r:id="rId25"/>
-    <p:sldId id="263" r:id="rId26"/>
+    <p:sldId id="256" r:id="rId2"/>
+    <p:sldId id="272" r:id="rId3"/>
+    <p:sldId id="280" r:id="rId4"/>
+    <p:sldId id="283" r:id="rId5"/>
+    <p:sldId id="298" r:id="rId6"/>
+    <p:sldId id="299" r:id="rId7"/>
+    <p:sldId id="300" r:id="rId8"/>
+    <p:sldId id="301" r:id="rId9"/>
+    <p:sldId id="302" r:id="rId10"/>
+    <p:sldId id="303" r:id="rId11"/>
+    <p:sldId id="304" r:id="rId12"/>
+    <p:sldId id="329" r:id="rId13"/>
+    <p:sldId id="330" r:id="rId14"/>
+    <p:sldId id="340" r:id="rId15"/>
+    <p:sldId id="307" r:id="rId16"/>
+    <p:sldId id="308" r:id="rId17"/>
+    <p:sldId id="309" r:id="rId18"/>
+    <p:sldId id="318" r:id="rId19"/>
+    <p:sldId id="331" r:id="rId20"/>
+    <p:sldId id="324" r:id="rId21"/>
+    <p:sldId id="341" r:id="rId22"/>
+    <p:sldId id="313" r:id="rId23"/>
+    <p:sldId id="296" r:id="rId24"/>
+    <p:sldId id="263" r:id="rId25"/>
   </p:sldIdLst>
   <p:sldSz cx="9144000" cy="6858000" type="screen4x3"/>
   <p:notesSz cx="6858000" cy="9144000"/>
@@ -129,7 +130,76 @@
       </a:defRPr>
     </a:lvl9pPr>
   </p:defaultTextStyle>
+  <p:extLst>
+    <p:ext uri="{EFAFB233-063F-42B5-8137-9DF3F51BA10A}">
+      <p15:sldGuideLst xmlns:p15="http://schemas.microsoft.com/office/powerpoint/2012/main">
+        <p15:guide id="1" orient="horz" pos="2160">
+          <p15:clr>
+            <a:srgbClr val="A4A3A4"/>
+          </p15:clr>
+        </p15:guide>
+        <p15:guide id="2" pos="2880">
+          <p15:clr>
+            <a:srgbClr val="A4A3A4"/>
+          </p15:clr>
+        </p15:guide>
+      </p15:sldGuideLst>
+    </p:ext>
+  </p:extLst>
 </p:presentation>
+</file>
+
+<file path=ppt/revisionInfo.xml><?xml version="1.0" encoding="utf-8"?>
+<p1510:revInfo xmlns:a="http://schemas.openxmlformats.org/drawingml/2006/main" xmlns:r="http://schemas.openxmlformats.org/officeDocument/2006/relationships" xmlns:p1510="http://schemas.microsoft.com/office/powerpoint/2015/10/main">
+  <p1510:revLst>
+    <p1510:client id="{18A858D5-6A71-47AC-BDE4-27868E39F71A}" v="1" dt="2023-09-04T10:12:29.305"/>
+  </p1510:revLst>
+</p1510:revInfo>
+</file>
+
+<file path=ppt/changesInfos/changesInfo1.xml><?xml version="1.0" encoding="utf-8"?>
+<pc:chgInfo xmlns:a="http://schemas.openxmlformats.org/drawingml/2006/main" xmlns:r="http://schemas.openxmlformats.org/officeDocument/2006/relationships" xmlns:ac="http://schemas.microsoft.com/office/drawing/2013/main/command" xmlns:pc="http://schemas.microsoft.com/office/powerpoint/2013/main/command">
+  <pc:docChgLst>
+    <pc:chgData name="Swastik Sharma" userId="c92c4e7749c4d1fc" providerId="LiveId" clId="{18A858D5-6A71-47AC-BDE4-27868E39F71A}"/>
+    <pc:docChg chg="addSld modSld">
+      <pc:chgData name="Swastik Sharma" userId="c92c4e7749c4d1fc" providerId="LiveId" clId="{18A858D5-6A71-47AC-BDE4-27868E39F71A}" dt="2023-09-04T10:12:29.303" v="24"/>
+      <pc:docMkLst>
+        <pc:docMk/>
+      </pc:docMkLst>
+      <pc:sldChg chg="addSp delSp modSp new mod">
+        <pc:chgData name="Swastik Sharma" userId="c92c4e7749c4d1fc" providerId="LiveId" clId="{18A858D5-6A71-47AC-BDE4-27868E39F71A}" dt="2023-09-04T10:12:29.303" v="24"/>
+        <pc:sldMkLst>
+          <pc:docMk/>
+          <pc:sldMk cId="3603920673" sldId="341"/>
+        </pc:sldMkLst>
+        <pc:spChg chg="mod">
+          <ac:chgData name="Swastik Sharma" userId="c92c4e7749c4d1fc" providerId="LiveId" clId="{18A858D5-6A71-47AC-BDE4-27868E39F71A}" dt="2023-09-04T10:12:19.071" v="23" actId="20577"/>
+          <ac:spMkLst>
+            <pc:docMk/>
+            <pc:sldMk cId="3603920673" sldId="341"/>
+            <ac:spMk id="2" creationId="{40C90674-D04D-0368-51D0-D03A364ED0BB}"/>
+          </ac:spMkLst>
+        </pc:spChg>
+        <pc:spChg chg="del">
+          <ac:chgData name="Swastik Sharma" userId="c92c4e7749c4d1fc" providerId="LiveId" clId="{18A858D5-6A71-47AC-BDE4-27868E39F71A}" dt="2023-09-04T10:12:29.303" v="24"/>
+          <ac:spMkLst>
+            <pc:docMk/>
+            <pc:sldMk cId="3603920673" sldId="341"/>
+            <ac:spMk id="3" creationId="{F7BC30A5-AA02-B553-122E-94351CB6A510}"/>
+          </ac:spMkLst>
+        </pc:spChg>
+        <pc:picChg chg="add mod">
+          <ac:chgData name="Swastik Sharma" userId="c92c4e7749c4d1fc" providerId="LiveId" clId="{18A858D5-6A71-47AC-BDE4-27868E39F71A}" dt="2023-09-04T10:12:29.303" v="24"/>
+          <ac:picMkLst>
+            <pc:docMk/>
+            <pc:sldMk cId="3603920673" sldId="341"/>
+            <ac:picMk id="5" creationId="{BD9BB0A5-636E-A77D-8E15-9D8735C852A1}"/>
+          </ac:picMkLst>
+        </pc:picChg>
+      </pc:sldChg>
+    </pc:docChg>
+  </pc:docChgLst>
+</pc:chgInfo>
 </file>
 
 <file path=ppt/notesMasters/notesMaster1.xml><?xml version="1.0" encoding="utf-8"?>
@@ -214,6 +284,7 @@
           <a:p>
             <a:fld id="{E55CF084-B438-4210-98A2-EDF8FE69939C}" type="datetimeFigureOut">
               <a:rPr lang="en-US" smtClean="0"/>
+              <a:t>9/4/2023</a:t>
             </a:fld>
             <a:endParaRPr lang="en-US" dirty="0"/>
           </a:p>
@@ -282,7 +353,6 @@
               <a:rPr lang="en-US"/>
               <a:t>Click to edit Master text styles</a:t>
             </a:r>
-            <a:endParaRPr lang="en-US"/>
           </a:p>
           <a:p>
             <a:pPr lvl="1"/>
@@ -290,7 +360,6 @@
               <a:rPr lang="en-US"/>
               <a:t>Second level</a:t>
             </a:r>
-            <a:endParaRPr lang="en-US"/>
           </a:p>
           <a:p>
             <a:pPr lvl="2"/>
@@ -298,7 +367,6 @@
               <a:rPr lang="en-US"/>
               <a:t>Third level</a:t>
             </a:r>
-            <a:endParaRPr lang="en-US"/>
           </a:p>
           <a:p>
             <a:pPr lvl="3"/>
@@ -306,7 +374,6 @@
               <a:rPr lang="en-US"/>
               <a:t>Fourth level</a:t>
             </a:r>
-            <a:endParaRPr lang="en-US"/>
           </a:p>
           <a:p>
             <a:pPr lvl="4"/>
@@ -314,7 +381,6 @@
               <a:rPr lang="en-US"/>
               <a:t>Fifth level</a:t>
             </a:r>
-            <a:endParaRPr lang="en-US"/>
           </a:p>
         </p:txBody>
       </p:sp>
@@ -378,6 +444,7 @@
           <a:p>
             <a:fld id="{D41B93F4-D065-439E-8BEF-260B773772EE}" type="slidenum">
               <a:rPr lang="en-US" smtClean="0"/>
+              <a:t>‹#›</a:t>
             </a:fld>
             <a:endParaRPr lang="en-US" dirty="0"/>
           </a:p>
@@ -1306,7 +1373,6 @@
               <a:rPr lang="en-US"/>
               <a:t>Click to edit Master title style</a:t>
             </a:r>
-            <a:endParaRPr lang="en-US"/>
           </a:p>
         </p:txBody>
       </p:sp>
@@ -1425,7 +1491,6 @@
               <a:rPr lang="en-US"/>
               <a:t>Click to edit Master subtitle style</a:t>
             </a:r>
-            <a:endParaRPr lang="en-US"/>
           </a:p>
         </p:txBody>
       </p:sp>
@@ -1446,6 +1511,7 @@
           <a:p>
             <a:fld id="{E5DA0C89-3924-4295-AF45-1A01E1D8DB65}" type="datetimeFigureOut">
               <a:rPr lang="en-US" smtClean="0"/>
+              <a:t>9/4/2023</a:t>
             </a:fld>
             <a:endParaRPr lang="en-US" dirty="0"/>
           </a:p>
@@ -1487,6 +1553,7 @@
           <a:p>
             <a:fld id="{DA7942C7-0D88-491B-890C-F6A209E7152E}" type="slidenum">
               <a:rPr lang="en-US" smtClean="0"/>
+              <a:t>‹#›</a:t>
             </a:fld>
             <a:endParaRPr lang="en-US" dirty="0"/>
           </a:p>
@@ -1536,7 +1603,6 @@
               <a:rPr lang="en-US"/>
               <a:t>Click to edit Master title style</a:t>
             </a:r>
-            <a:endParaRPr lang="en-US"/>
           </a:p>
         </p:txBody>
       </p:sp>
@@ -1560,7 +1626,6 @@
               <a:rPr lang="en-US"/>
               <a:t>Click to edit Master text styles</a:t>
             </a:r>
-            <a:endParaRPr lang="en-US"/>
           </a:p>
           <a:p>
             <a:pPr lvl="1"/>
@@ -1568,7 +1633,6 @@
               <a:rPr lang="en-US"/>
               <a:t>Second level</a:t>
             </a:r>
-            <a:endParaRPr lang="en-US"/>
           </a:p>
           <a:p>
             <a:pPr lvl="2"/>
@@ -1576,7 +1640,6 @@
               <a:rPr lang="en-US"/>
               <a:t>Third level</a:t>
             </a:r>
-            <a:endParaRPr lang="en-US"/>
           </a:p>
           <a:p>
             <a:pPr lvl="3"/>
@@ -1584,7 +1647,6 @@
               <a:rPr lang="en-US"/>
               <a:t>Fourth level</a:t>
             </a:r>
-            <a:endParaRPr lang="en-US"/>
           </a:p>
           <a:p>
             <a:pPr lvl="4"/>
@@ -1592,7 +1654,6 @@
               <a:rPr lang="en-US"/>
               <a:t>Fifth level</a:t>
             </a:r>
-            <a:endParaRPr lang="en-US"/>
           </a:p>
         </p:txBody>
       </p:sp>
@@ -1613,6 +1674,7 @@
           <a:p>
             <a:fld id="{E5DA0C89-3924-4295-AF45-1A01E1D8DB65}" type="datetimeFigureOut">
               <a:rPr lang="en-US" smtClean="0"/>
+              <a:t>9/4/2023</a:t>
             </a:fld>
             <a:endParaRPr lang="en-US" dirty="0"/>
           </a:p>
@@ -1654,6 +1716,7 @@
           <a:p>
             <a:fld id="{DA7942C7-0D88-491B-890C-F6A209E7152E}" type="slidenum">
               <a:rPr lang="en-US" smtClean="0"/>
+              <a:t>‹#›</a:t>
             </a:fld>
             <a:endParaRPr lang="en-US" dirty="0"/>
           </a:p>
@@ -1708,7 +1771,6 @@
               <a:rPr lang="en-US"/>
               <a:t>Click to edit Master title style</a:t>
             </a:r>
-            <a:endParaRPr lang="en-US"/>
           </a:p>
         </p:txBody>
       </p:sp>
@@ -1737,7 +1799,6 @@
               <a:rPr lang="en-US"/>
               <a:t>Click to edit Master text styles</a:t>
             </a:r>
-            <a:endParaRPr lang="en-US"/>
           </a:p>
           <a:p>
             <a:pPr lvl="1"/>
@@ -1745,7 +1806,6 @@
               <a:rPr lang="en-US"/>
               <a:t>Second level</a:t>
             </a:r>
-            <a:endParaRPr lang="en-US"/>
           </a:p>
           <a:p>
             <a:pPr lvl="2"/>
@@ -1753,7 +1813,6 @@
               <a:rPr lang="en-US"/>
               <a:t>Third level</a:t>
             </a:r>
-            <a:endParaRPr lang="en-US"/>
           </a:p>
           <a:p>
             <a:pPr lvl="3"/>
@@ -1761,7 +1820,6 @@
               <a:rPr lang="en-US"/>
               <a:t>Fourth level</a:t>
             </a:r>
-            <a:endParaRPr lang="en-US"/>
           </a:p>
           <a:p>
             <a:pPr lvl="4"/>
@@ -1769,7 +1827,6 @@
               <a:rPr lang="en-US"/>
               <a:t>Fifth level</a:t>
             </a:r>
-            <a:endParaRPr lang="en-US"/>
           </a:p>
         </p:txBody>
       </p:sp>
@@ -1790,6 +1847,7 @@
           <a:p>
             <a:fld id="{E5DA0C89-3924-4295-AF45-1A01E1D8DB65}" type="datetimeFigureOut">
               <a:rPr lang="en-US" smtClean="0"/>
+              <a:t>9/4/2023</a:t>
             </a:fld>
             <a:endParaRPr lang="en-US" dirty="0"/>
           </a:p>
@@ -1831,6 +1889,7 @@
           <a:p>
             <a:fld id="{DA7942C7-0D88-491B-890C-F6A209E7152E}" type="slidenum">
               <a:rPr lang="en-US" smtClean="0"/>
+              <a:t>‹#›</a:t>
             </a:fld>
             <a:endParaRPr lang="en-US" dirty="0"/>
           </a:p>
@@ -1880,7 +1939,6 @@
               <a:rPr lang="en-US"/>
               <a:t>Click to edit Master title style</a:t>
             </a:r>
-            <a:endParaRPr lang="en-US"/>
           </a:p>
         </p:txBody>
       </p:sp>
@@ -1904,7 +1962,6 @@
               <a:rPr lang="en-US"/>
               <a:t>Click to edit Master text styles</a:t>
             </a:r>
-            <a:endParaRPr lang="en-US"/>
           </a:p>
           <a:p>
             <a:pPr lvl="1"/>
@@ -1912,7 +1969,6 @@
               <a:rPr lang="en-US"/>
               <a:t>Second level</a:t>
             </a:r>
-            <a:endParaRPr lang="en-US"/>
           </a:p>
           <a:p>
             <a:pPr lvl="2"/>
@@ -1920,7 +1976,6 @@
               <a:rPr lang="en-US"/>
               <a:t>Third level</a:t>
             </a:r>
-            <a:endParaRPr lang="en-US"/>
           </a:p>
           <a:p>
             <a:pPr lvl="3"/>
@@ -1928,7 +1983,6 @@
               <a:rPr lang="en-US"/>
               <a:t>Fourth level</a:t>
             </a:r>
-            <a:endParaRPr lang="en-US"/>
           </a:p>
           <a:p>
             <a:pPr lvl="4"/>
@@ -1936,7 +1990,6 @@
               <a:rPr lang="en-US"/>
               <a:t>Fifth level</a:t>
             </a:r>
-            <a:endParaRPr lang="en-US"/>
           </a:p>
         </p:txBody>
       </p:sp>
@@ -1957,6 +2010,7 @@
           <a:p>
             <a:fld id="{E5DA0C89-3924-4295-AF45-1A01E1D8DB65}" type="datetimeFigureOut">
               <a:rPr lang="en-US" smtClean="0"/>
+              <a:t>9/4/2023</a:t>
             </a:fld>
             <a:endParaRPr lang="en-US" dirty="0"/>
           </a:p>
@@ -1998,6 +2052,7 @@
           <a:p>
             <a:fld id="{DA7942C7-0D88-491B-890C-F6A209E7152E}" type="slidenum">
               <a:rPr lang="en-US" smtClean="0"/>
+              <a:t>‹#›</a:t>
             </a:fld>
             <a:endParaRPr lang="en-US" dirty="0"/>
           </a:p>
@@ -2056,7 +2111,6 @@
               <a:rPr lang="en-US"/>
               <a:t>Click to edit Master title style</a:t>
             </a:r>
-            <a:endParaRPr lang="en-US"/>
           </a:p>
         </p:txBody>
       </p:sp>
@@ -2176,7 +2230,6 @@
               <a:rPr lang="en-US"/>
               <a:t>Click to edit Master text styles</a:t>
             </a:r>
-            <a:endParaRPr lang="en-US"/>
           </a:p>
         </p:txBody>
       </p:sp>
@@ -2197,6 +2250,7 @@
           <a:p>
             <a:fld id="{E5DA0C89-3924-4295-AF45-1A01E1D8DB65}" type="datetimeFigureOut">
               <a:rPr lang="en-US" smtClean="0"/>
+              <a:t>9/4/2023</a:t>
             </a:fld>
             <a:endParaRPr lang="en-US" dirty="0"/>
           </a:p>
@@ -2238,6 +2292,7 @@
           <a:p>
             <a:fld id="{DA7942C7-0D88-491B-890C-F6A209E7152E}" type="slidenum">
               <a:rPr lang="en-US" smtClean="0"/>
+              <a:t>‹#›</a:t>
             </a:fld>
             <a:endParaRPr lang="en-US" dirty="0"/>
           </a:p>
@@ -2287,7 +2342,6 @@
               <a:rPr lang="en-US"/>
               <a:t>Click to edit Master title style</a:t>
             </a:r>
-            <a:endParaRPr lang="en-US"/>
           </a:p>
         </p:txBody>
       </p:sp>
@@ -2344,7 +2398,6 @@
               <a:rPr lang="en-US"/>
               <a:t>Click to edit Master text styles</a:t>
             </a:r>
-            <a:endParaRPr lang="en-US"/>
           </a:p>
           <a:p>
             <a:pPr lvl="1"/>
@@ -2352,7 +2405,6 @@
               <a:rPr lang="en-US"/>
               <a:t>Second level</a:t>
             </a:r>
-            <a:endParaRPr lang="en-US"/>
           </a:p>
           <a:p>
             <a:pPr lvl="2"/>
@@ -2360,7 +2412,6 @@
               <a:rPr lang="en-US"/>
               <a:t>Third level</a:t>
             </a:r>
-            <a:endParaRPr lang="en-US"/>
           </a:p>
           <a:p>
             <a:pPr lvl="3"/>
@@ -2368,7 +2419,6 @@
               <a:rPr lang="en-US"/>
               <a:t>Fourth level</a:t>
             </a:r>
-            <a:endParaRPr lang="en-US"/>
           </a:p>
           <a:p>
             <a:pPr lvl="4"/>
@@ -2376,7 +2426,6 @@
               <a:rPr lang="en-US"/>
               <a:t>Fifth level</a:t>
             </a:r>
-            <a:endParaRPr lang="en-US"/>
           </a:p>
         </p:txBody>
       </p:sp>
@@ -2433,7 +2482,6 @@
               <a:rPr lang="en-US"/>
               <a:t>Click to edit Master text styles</a:t>
             </a:r>
-            <a:endParaRPr lang="en-US"/>
           </a:p>
           <a:p>
             <a:pPr lvl="1"/>
@@ -2441,7 +2489,6 @@
               <a:rPr lang="en-US"/>
               <a:t>Second level</a:t>
             </a:r>
-            <a:endParaRPr lang="en-US"/>
           </a:p>
           <a:p>
             <a:pPr lvl="2"/>
@@ -2449,7 +2496,6 @@
               <a:rPr lang="en-US"/>
               <a:t>Third level</a:t>
             </a:r>
-            <a:endParaRPr lang="en-US"/>
           </a:p>
           <a:p>
             <a:pPr lvl="3"/>
@@ -2457,7 +2503,6 @@
               <a:rPr lang="en-US"/>
               <a:t>Fourth level</a:t>
             </a:r>
-            <a:endParaRPr lang="en-US"/>
           </a:p>
           <a:p>
             <a:pPr lvl="4"/>
@@ -2465,7 +2510,6 @@
               <a:rPr lang="en-US"/>
               <a:t>Fifth level</a:t>
             </a:r>
-            <a:endParaRPr lang="en-US"/>
           </a:p>
         </p:txBody>
       </p:sp>
@@ -2486,6 +2530,7 @@
           <a:p>
             <a:fld id="{E5DA0C89-3924-4295-AF45-1A01E1D8DB65}" type="datetimeFigureOut">
               <a:rPr lang="en-US" smtClean="0"/>
+              <a:t>9/4/2023</a:t>
             </a:fld>
             <a:endParaRPr lang="en-US" dirty="0"/>
           </a:p>
@@ -2527,6 +2572,7 @@
           <a:p>
             <a:fld id="{DA7942C7-0D88-491B-890C-F6A209E7152E}" type="slidenum">
               <a:rPr lang="en-US" smtClean="0"/>
+              <a:t>‹#›</a:t>
             </a:fld>
             <a:endParaRPr lang="en-US" dirty="0"/>
           </a:p>
@@ -2580,7 +2626,6 @@
               <a:rPr lang="en-US"/>
               <a:t>Click to edit Master title style</a:t>
             </a:r>
-            <a:endParaRPr lang="en-US"/>
           </a:p>
         </p:txBody>
       </p:sp>
@@ -2646,7 +2691,6 @@
               <a:rPr lang="en-US"/>
               <a:t>Click to edit Master text styles</a:t>
             </a:r>
-            <a:endParaRPr lang="en-US"/>
           </a:p>
         </p:txBody>
       </p:sp>
@@ -2703,7 +2747,6 @@
               <a:rPr lang="en-US"/>
               <a:t>Click to edit Master text styles</a:t>
             </a:r>
-            <a:endParaRPr lang="en-US"/>
           </a:p>
           <a:p>
             <a:pPr lvl="1"/>
@@ -2711,7 +2754,6 @@
               <a:rPr lang="en-US"/>
               <a:t>Second level</a:t>
             </a:r>
-            <a:endParaRPr lang="en-US"/>
           </a:p>
           <a:p>
             <a:pPr lvl="2"/>
@@ -2719,7 +2761,6 @@
               <a:rPr lang="en-US"/>
               <a:t>Third level</a:t>
             </a:r>
-            <a:endParaRPr lang="en-US"/>
           </a:p>
           <a:p>
             <a:pPr lvl="3"/>
@@ -2727,7 +2768,6 @@
               <a:rPr lang="en-US"/>
               <a:t>Fourth level</a:t>
             </a:r>
-            <a:endParaRPr lang="en-US"/>
           </a:p>
           <a:p>
             <a:pPr lvl="4"/>
@@ -2735,7 +2775,6 @@
               <a:rPr lang="en-US"/>
               <a:t>Fifth level</a:t>
             </a:r>
-            <a:endParaRPr lang="en-US"/>
           </a:p>
         </p:txBody>
       </p:sp>
@@ -2801,7 +2840,6 @@
               <a:rPr lang="en-US"/>
               <a:t>Click to edit Master text styles</a:t>
             </a:r>
-            <a:endParaRPr lang="en-US"/>
           </a:p>
         </p:txBody>
       </p:sp>
@@ -2858,7 +2896,6 @@
               <a:rPr lang="en-US"/>
               <a:t>Click to edit Master text styles</a:t>
             </a:r>
-            <a:endParaRPr lang="en-US"/>
           </a:p>
           <a:p>
             <a:pPr lvl="1"/>
@@ -2866,7 +2903,6 @@
               <a:rPr lang="en-US"/>
               <a:t>Second level</a:t>
             </a:r>
-            <a:endParaRPr lang="en-US"/>
           </a:p>
           <a:p>
             <a:pPr lvl="2"/>
@@ -2874,7 +2910,6 @@
               <a:rPr lang="en-US"/>
               <a:t>Third level</a:t>
             </a:r>
-            <a:endParaRPr lang="en-US"/>
           </a:p>
           <a:p>
             <a:pPr lvl="3"/>
@@ -2882,7 +2917,6 @@
               <a:rPr lang="en-US"/>
               <a:t>Fourth level</a:t>
             </a:r>
-            <a:endParaRPr lang="en-US"/>
           </a:p>
           <a:p>
             <a:pPr lvl="4"/>
@@ -2890,7 +2924,6 @@
               <a:rPr lang="en-US"/>
               <a:t>Fifth level</a:t>
             </a:r>
-            <a:endParaRPr lang="en-US"/>
           </a:p>
         </p:txBody>
       </p:sp>
@@ -2911,6 +2944,7 @@
           <a:p>
             <a:fld id="{E5DA0C89-3924-4295-AF45-1A01E1D8DB65}" type="datetimeFigureOut">
               <a:rPr lang="en-US" smtClean="0"/>
+              <a:t>9/4/2023</a:t>
             </a:fld>
             <a:endParaRPr lang="en-US" dirty="0"/>
           </a:p>
@@ -2952,6 +2986,7 @@
           <a:p>
             <a:fld id="{DA7942C7-0D88-491B-890C-F6A209E7152E}" type="slidenum">
               <a:rPr lang="en-US" smtClean="0"/>
+              <a:t>‹#›</a:t>
             </a:fld>
             <a:endParaRPr lang="en-US" dirty="0"/>
           </a:p>
@@ -3001,7 +3036,6 @@
               <a:rPr lang="en-US"/>
               <a:t>Click to edit Master title style</a:t>
             </a:r>
-            <a:endParaRPr lang="en-US"/>
           </a:p>
         </p:txBody>
       </p:sp>
@@ -3022,6 +3056,7 @@
           <a:p>
             <a:fld id="{E5DA0C89-3924-4295-AF45-1A01E1D8DB65}" type="datetimeFigureOut">
               <a:rPr lang="en-US" smtClean="0"/>
+              <a:t>9/4/2023</a:t>
             </a:fld>
             <a:endParaRPr lang="en-US" dirty="0"/>
           </a:p>
@@ -3063,6 +3098,7 @@
           <a:p>
             <a:fld id="{DA7942C7-0D88-491B-890C-F6A209E7152E}" type="slidenum">
               <a:rPr lang="en-US" smtClean="0"/>
+              <a:t>‹#›</a:t>
             </a:fld>
             <a:endParaRPr lang="en-US" dirty="0"/>
           </a:p>
@@ -3110,6 +3146,7 @@
           <a:p>
             <a:fld id="{E5DA0C89-3924-4295-AF45-1A01E1D8DB65}" type="datetimeFigureOut">
               <a:rPr lang="en-US" smtClean="0"/>
+              <a:t>9/4/2023</a:t>
             </a:fld>
             <a:endParaRPr lang="en-US" dirty="0"/>
           </a:p>
@@ -3151,6 +3188,7 @@
           <a:p>
             <a:fld id="{DA7942C7-0D88-491B-890C-F6A209E7152E}" type="slidenum">
               <a:rPr lang="en-US" smtClean="0"/>
+              <a:t>‹#›</a:t>
             </a:fld>
             <a:endParaRPr lang="en-US" dirty="0"/>
           </a:p>
@@ -3209,7 +3247,6 @@
               <a:rPr lang="en-US"/>
               <a:t>Click to edit Master title style</a:t>
             </a:r>
-            <a:endParaRPr lang="en-US"/>
           </a:p>
         </p:txBody>
       </p:sp>
@@ -3266,7 +3303,6 @@
               <a:rPr lang="en-US"/>
               <a:t>Click to edit Master text styles</a:t>
             </a:r>
-            <a:endParaRPr lang="en-US"/>
           </a:p>
           <a:p>
             <a:pPr lvl="1"/>
@@ -3274,7 +3310,6 @@
               <a:rPr lang="en-US"/>
               <a:t>Second level</a:t>
             </a:r>
-            <a:endParaRPr lang="en-US"/>
           </a:p>
           <a:p>
             <a:pPr lvl="2"/>
@@ -3282,7 +3317,6 @@
               <a:rPr lang="en-US"/>
               <a:t>Third level</a:t>
             </a:r>
-            <a:endParaRPr lang="en-US"/>
           </a:p>
           <a:p>
             <a:pPr lvl="3"/>
@@ -3290,7 +3324,6 @@
               <a:rPr lang="en-US"/>
               <a:t>Fourth level</a:t>
             </a:r>
-            <a:endParaRPr lang="en-US"/>
           </a:p>
           <a:p>
             <a:pPr lvl="4"/>
@@ -3298,7 +3331,6 @@
               <a:rPr lang="en-US"/>
               <a:t>Fifth level</a:t>
             </a:r>
-            <a:endParaRPr lang="en-US"/>
           </a:p>
         </p:txBody>
       </p:sp>
@@ -3364,7 +3396,6 @@
               <a:rPr lang="en-US"/>
               <a:t>Click to edit Master text styles</a:t>
             </a:r>
-            <a:endParaRPr lang="en-US"/>
           </a:p>
         </p:txBody>
       </p:sp>
@@ -3385,6 +3416,7 @@
           <a:p>
             <a:fld id="{E5DA0C89-3924-4295-AF45-1A01E1D8DB65}" type="datetimeFigureOut">
               <a:rPr lang="en-US" smtClean="0"/>
+              <a:t>9/4/2023</a:t>
             </a:fld>
             <a:endParaRPr lang="en-US" dirty="0"/>
           </a:p>
@@ -3426,6 +3458,7 @@
           <a:p>
             <a:fld id="{DA7942C7-0D88-491B-890C-F6A209E7152E}" type="slidenum">
               <a:rPr lang="en-US" smtClean="0"/>
+              <a:t>‹#›</a:t>
             </a:fld>
             <a:endParaRPr lang="en-US" dirty="0"/>
           </a:p>
@@ -3484,7 +3517,6 @@
               <a:rPr lang="en-US"/>
               <a:t>Click to edit Master title style</a:t>
             </a:r>
-            <a:endParaRPr lang="en-US"/>
           </a:p>
         </p:txBody>
       </p:sp>
@@ -3611,7 +3643,6 @@
               <a:rPr lang="en-US"/>
               <a:t>Click to edit Master text styles</a:t>
             </a:r>
-            <a:endParaRPr lang="en-US"/>
           </a:p>
         </p:txBody>
       </p:sp>
@@ -3632,6 +3663,7 @@
           <a:p>
             <a:fld id="{E5DA0C89-3924-4295-AF45-1A01E1D8DB65}" type="datetimeFigureOut">
               <a:rPr lang="en-US" smtClean="0"/>
+              <a:t>9/4/2023</a:t>
             </a:fld>
             <a:endParaRPr lang="en-US" dirty="0"/>
           </a:p>
@@ -3673,6 +3705,7 @@
           <a:p>
             <a:fld id="{DA7942C7-0D88-491B-890C-F6A209E7152E}" type="slidenum">
               <a:rPr lang="en-US" smtClean="0"/>
+              <a:t>‹#›</a:t>
             </a:fld>
             <a:endParaRPr lang="en-US" dirty="0"/>
           </a:p>
@@ -3737,7 +3770,6 @@
               <a:rPr lang="en-US"/>
               <a:t>Click to edit Master title style</a:t>
             </a:r>
-            <a:endParaRPr lang="en-US"/>
           </a:p>
         </p:txBody>
       </p:sp>
@@ -3771,7 +3803,6 @@
               <a:rPr lang="en-US"/>
               <a:t>Click to edit Master text styles</a:t>
             </a:r>
-            <a:endParaRPr lang="en-US"/>
           </a:p>
           <a:p>
             <a:pPr lvl="1"/>
@@ -3779,7 +3810,6 @@
               <a:rPr lang="en-US"/>
               <a:t>Second level</a:t>
             </a:r>
-            <a:endParaRPr lang="en-US"/>
           </a:p>
           <a:p>
             <a:pPr lvl="2"/>
@@ -3787,7 +3817,6 @@
               <a:rPr lang="en-US"/>
               <a:t>Third level</a:t>
             </a:r>
-            <a:endParaRPr lang="en-US"/>
           </a:p>
           <a:p>
             <a:pPr lvl="3"/>
@@ -3795,7 +3824,6 @@
               <a:rPr lang="en-US"/>
               <a:t>Fourth level</a:t>
             </a:r>
-            <a:endParaRPr lang="en-US"/>
           </a:p>
           <a:p>
             <a:pPr lvl="4"/>
@@ -3803,7 +3831,6 @@
               <a:rPr lang="en-US"/>
               <a:t>Fifth level</a:t>
             </a:r>
-            <a:endParaRPr lang="en-US"/>
           </a:p>
         </p:txBody>
       </p:sp>
@@ -3842,6 +3869,7 @@
           <a:p>
             <a:fld id="{E5DA0C89-3924-4295-AF45-1A01E1D8DB65}" type="datetimeFigureOut">
               <a:rPr lang="en-US" smtClean="0"/>
+              <a:t>9/4/2023</a:t>
             </a:fld>
             <a:endParaRPr lang="en-US" dirty="0"/>
           </a:p>
@@ -3919,6 +3947,7 @@
           <a:p>
             <a:fld id="{DA7942C7-0D88-491B-890C-F6A209E7152E}" type="slidenum">
               <a:rPr lang="en-US" smtClean="0"/>
+              <a:t>‹#›</a:t>
             </a:fld>
             <a:endParaRPr lang="en-US" dirty="0"/>
           </a:p>
@@ -4267,10 +4296,6 @@
               </a:rPr>
               <a:t>S.E. (Computer) Sem - III</a:t>
             </a:r>
-            <a:endParaRPr lang="en-US" sz="3600" dirty="0">
-              <a:latin typeface="Times New Roman" panose="02020603050405020304" pitchFamily="18" charset="0"/>
-              <a:cs typeface="Times New Roman" panose="02020603050405020304" pitchFamily="18" charset="0"/>
-            </a:endParaRPr>
           </a:p>
         </p:txBody>
       </p:sp>
@@ -4389,8 +4414,20 @@
                 <a:tableStyleId>{5C22544A-7EE6-4342-B048-85BDC9FD1C3A}</a:tableStyleId>
               </a:tblPr>
               <a:tblGrid>
-                <a:gridCol w="1718796"/>
-                <a:gridCol w="6206316"/>
+                <a:gridCol w="1718796">
+                  <a:extLst>
+                    <a:ext uri="{9D8B030D-6E8A-4147-A177-3AD203B41FA5}">
+                      <a16:colId xmlns:a16="http://schemas.microsoft.com/office/drawing/2014/main" val="20000"/>
+                    </a:ext>
+                  </a:extLst>
+                </a:gridCol>
+                <a:gridCol w="6206316">
+                  <a:extLst>
+                    <a:ext uri="{9D8B030D-6E8A-4147-A177-3AD203B41FA5}">
+                      <a16:colId xmlns:a16="http://schemas.microsoft.com/office/drawing/2014/main" val="20001"/>
+                    </a:ext>
+                  </a:extLst>
+                </a:gridCol>
               </a:tblGrid>
               <a:tr h="370840">
                 <a:tc>
@@ -4448,13 +4485,6 @@
                         </a:rPr>
                         <a:t>Agnel Charitie’s</a:t>
                       </a:r>
-                      <a:endParaRPr lang="en-US" b="0" i="1" dirty="0">
-                        <a:solidFill>
-                          <a:schemeClr val="tx1"/>
-                        </a:solidFill>
-                        <a:latin typeface="Times New Roman" panose="02020603050405020304" pitchFamily="18" charset="0"/>
-                        <a:cs typeface="Times New Roman" panose="02020603050405020304" pitchFamily="18" charset="0"/>
-                      </a:endParaRPr>
                     </a:p>
                     <a:p>
                       <a:pPr algn="ctr"/>
@@ -4523,6 +4553,11 @@
                     </a:solidFill>
                   </a:tcPr>
                 </a:tc>
+                <a:extLst>
+                  <a:ext uri="{0D108BD9-81ED-4DB2-BD59-A6C34878D82A}">
+                    <a16:rowId xmlns:a16="http://schemas.microsoft.com/office/drawing/2014/main" val="10000"/>
+                  </a:ext>
+                </a:extLst>
               </a:tr>
             </a:tbl>
           </a:graphicData>
@@ -4535,7 +4570,7 @@
           <p:nvPr/>
         </p:nvPicPr>
         <p:blipFill>
-          <a:blip r:embed="rId1">
+          <a:blip r:embed="rId2">
             <a:extLst>
               <a:ext uri="{28A0092B-C50C-407E-A947-70E740481C1C}">
                 <a14:useLocalDpi xmlns:a14="http://schemas.microsoft.com/office/drawing/2010/main" val="0"/>
@@ -4739,7 +4774,7 @@
           <p:nvPr/>
         </p:nvPicPr>
         <p:blipFill>
-          <a:blip r:embed="rId1">
+          <a:blip r:embed="rId3">
             <a:extLst>
               <a:ext uri="{28A0092B-C50C-407E-A947-70E740481C1C}">
                 <a14:useLocalDpi xmlns:a14="http://schemas.microsoft.com/office/drawing/2010/main" val="0"/>
@@ -4894,13 +4929,6 @@
               </a:rPr>
               <a:t>Idea mentioned in the paper</a:t>
             </a:r>
-            <a:endParaRPr lang="en-US" sz="2000" b="1" dirty="0">
-              <a:solidFill>
-                <a:srgbClr val="0070C0"/>
-              </a:solidFill>
-              <a:latin typeface="Times New Roman" panose="02020603050405020304" pitchFamily="18" charset="0"/>
-              <a:cs typeface="Times New Roman" panose="02020603050405020304" pitchFamily="18" charset="0"/>
-            </a:endParaRPr>
           </a:p>
           <a:p>
             <a:pPr>
@@ -4920,12 +4948,6 @@
               </a:rPr>
               <a:t>The Expense Manager is a mobile application intended to run on android device namely smart phone. Expense Manager is designed to efficiently cater the needs of users by eliminating imparting costs and settling vows to friends. Aim is use better approaches to help users and their </a:t>
             </a:r>
-            <a:endParaRPr lang="en-IN" sz="2000" dirty="0">
-              <a:effectLst/>
-              <a:latin typeface="Calibri" panose="020F0502020204030204" pitchFamily="34" charset="0"/>
-              <a:ea typeface="Calibri" panose="020F0502020204030204" pitchFamily="34" charset="0"/>
-              <a:cs typeface="Times New Roman" panose="02020603050405020304" pitchFamily="18" charset="0"/>
-            </a:endParaRPr>
           </a:p>
           <a:p>
             <a:pPr>
@@ -5200,7 +5222,7 @@
           <p:nvPr/>
         </p:nvPicPr>
         <p:blipFill>
-          <a:blip r:embed="rId1">
+          <a:blip r:embed="rId3">
             <a:extLst>
               <a:ext uri="{28A0092B-C50C-407E-A947-70E740481C1C}">
                 <a14:useLocalDpi xmlns:a14="http://schemas.microsoft.com/office/drawing/2010/main" val="0"/>
@@ -5271,18 +5293,6 @@
               </a:rPr>
               <a:t>Pocket Guard by Igor Kuznetsov in 2014.</a:t>
             </a:r>
-            <a:endParaRPr lang="en-IN" sz="2400" b="1" u="sng" dirty="0">
-              <a:effectLst>
-                <a:outerShdw blurRad="38100" dist="38100" dir="2700000" algn="tl">
-                  <a:srgbClr val="000000">
-                    <a:alpha val="43137"/>
-                  </a:srgbClr>
-                </a:outerShdw>
-              </a:effectLst>
-              <a:latin typeface="Times New Roman" panose="02020603050405020304" pitchFamily="18" charset="0"/>
-              <a:ea typeface="Calibri" panose="020F0502020204030204" pitchFamily="34" charset="0"/>
-              <a:cs typeface="Times New Roman" panose="02020603050405020304" pitchFamily="18" charset="0"/>
-            </a:endParaRPr>
           </a:p>
           <a:p>
             <a:pPr lvl="1" algn="ctr">
@@ -5355,13 +5365,6 @@
               </a:rPr>
               <a:t>Idea mentioned in the paper</a:t>
             </a:r>
-            <a:endParaRPr lang="en-US" sz="2000" b="1" dirty="0">
-              <a:solidFill>
-                <a:srgbClr val="0070C0"/>
-              </a:solidFill>
-              <a:latin typeface="Times New Roman" panose="02020603050405020304" pitchFamily="18" charset="0"/>
-              <a:cs typeface="Times New Roman" panose="02020603050405020304" pitchFamily="18" charset="0"/>
-            </a:endParaRPr>
           </a:p>
           <a:p>
             <a:pPr>
@@ -5390,12 +5393,6 @@
               </a:rPr>
               <a:t> aims to simplify personal finance management by providing users with a comprehensive view of their finances, helping them track expenses, and offering insights to save money.</a:t>
             </a:r>
-            <a:endParaRPr lang="en-IN" sz="2000" dirty="0">
-              <a:effectLst/>
-              <a:latin typeface="Calibri" panose="020F0502020204030204" pitchFamily="34" charset="0"/>
-              <a:ea typeface="Calibri" panose="020F0502020204030204" pitchFamily="34" charset="0"/>
-              <a:cs typeface="Times New Roman" panose="02020603050405020304" pitchFamily="18" charset="0"/>
-            </a:endParaRPr>
           </a:p>
           <a:p>
             <a:pPr>
@@ -5517,7 +5514,14 @@
         <p:cNvGrpSpPr/>
         <p:nvPr/>
       </p:nvGrpSpPr>
-      <p:grpSpPr/>
+      <p:grpSpPr>
+        <a:xfrm>
+          <a:off x="0" y="0"/>
+          <a:ext cx="0" cy="0"/>
+          <a:chOff x="0" y="0"/>
+          <a:chExt cx="0" cy="0"/>
+        </a:xfrm>
+      </p:grpSpPr>
       <p:sp>
         <p:nvSpPr>
           <p:cNvPr id="5" name="Title 4"/>
@@ -5531,6 +5535,7 @@
         <p:spPr/>
         <p:txBody>
           <a:bodyPr/>
+          <a:lstStyle/>
           <a:p>
             <a:endParaRPr lang="en-US"/>
           </a:p>
@@ -5539,7 +5544,9 @@
       <p:graphicFrame>
         <p:nvGraphicFramePr>
           <p:cNvPr id="4" name="Content Placeholder 3"/>
-          <p:cNvGraphicFramePr/>
+          <p:cNvGraphicFramePr>
+            <a:graphicFrameLocks noGrp="1"/>
+          </p:cNvGraphicFramePr>
           <p:nvPr>
             <p:ph idx="1"/>
           </p:nvPr>
@@ -5555,17 +5562,54 @@
                 <a:tableStyleId>{5940675A-B579-460E-94D1-54222C63F5DA}</a:tableStyleId>
               </a:tblPr>
               <a:tblGrid>
-                <a:gridCol w="1772920"/>
-                <a:gridCol w="1691005"/>
-                <a:gridCol w="1349375"/>
-                <a:gridCol w="1350010"/>
-                <a:gridCol w="1572260"/>
-                <a:gridCol w="1408430"/>
+                <a:gridCol w="1772920">
+                  <a:extLst>
+                    <a:ext uri="{9D8B030D-6E8A-4147-A177-3AD203B41FA5}">
+                      <a16:colId xmlns:a16="http://schemas.microsoft.com/office/drawing/2014/main" val="20000"/>
+                    </a:ext>
+                  </a:extLst>
+                </a:gridCol>
+                <a:gridCol w="1691005">
+                  <a:extLst>
+                    <a:ext uri="{9D8B030D-6E8A-4147-A177-3AD203B41FA5}">
+                      <a16:colId xmlns:a16="http://schemas.microsoft.com/office/drawing/2014/main" val="20001"/>
+                    </a:ext>
+                  </a:extLst>
+                </a:gridCol>
+                <a:gridCol w="1349375">
+                  <a:extLst>
+                    <a:ext uri="{9D8B030D-6E8A-4147-A177-3AD203B41FA5}">
+                      <a16:colId xmlns:a16="http://schemas.microsoft.com/office/drawing/2014/main" val="20002"/>
+                    </a:ext>
+                  </a:extLst>
+                </a:gridCol>
+                <a:gridCol w="1350010">
+                  <a:extLst>
+                    <a:ext uri="{9D8B030D-6E8A-4147-A177-3AD203B41FA5}">
+                      <a16:colId xmlns:a16="http://schemas.microsoft.com/office/drawing/2014/main" val="20003"/>
+                    </a:ext>
+                  </a:extLst>
+                </a:gridCol>
+                <a:gridCol w="1572260">
+                  <a:extLst>
+                    <a:ext uri="{9D8B030D-6E8A-4147-A177-3AD203B41FA5}">
+                      <a16:colId xmlns:a16="http://schemas.microsoft.com/office/drawing/2014/main" val="20004"/>
+                    </a:ext>
+                  </a:extLst>
+                </a:gridCol>
+                <a:gridCol w="1408430">
+                  <a:extLst>
+                    <a:ext uri="{9D8B030D-6E8A-4147-A177-3AD203B41FA5}">
+                      <a16:colId xmlns:a16="http://schemas.microsoft.com/office/drawing/2014/main" val="20005"/>
+                    </a:ext>
+                  </a:extLst>
+                </a:gridCol>
               </a:tblGrid>
               <a:tr h="1468120">
                 <a:tc>
                   <a:txBody>
                     <a:bodyPr/>
+                    <a:lstStyle/>
                     <a:p>
                       <a:pPr indent="0">
                         <a:buNone/>
@@ -5590,7 +5634,7 @@
                       </a:endParaRPr>
                     </a:p>
                   </a:txBody>
-                  <a:tcPr marL="68580" marR="68580" marT="0" marB="0" vert="horz" anchor="t" anchorCtr="0">
+                  <a:tcPr marL="68580" marR="68580" marT="0" marB="0">
                     <a:lnL w="12700" cap="flat" cmpd="sng">
                       <a:solidFill>
                         <a:srgbClr val="5B9BD5"/>
@@ -5637,6 +5681,7 @@
                 <a:tc>
                   <a:txBody>
                     <a:bodyPr/>
+                    <a:lstStyle/>
                     <a:p>
                       <a:pPr indent="0">
                         <a:buNone/>
@@ -5661,7 +5706,7 @@
                       </a:endParaRPr>
                     </a:p>
                   </a:txBody>
-                  <a:tcPr marL="68580" marR="68580" marT="0" marB="0" vert="horz" anchor="t" anchorCtr="0">
+                  <a:tcPr marL="68580" marR="68580" marT="0" marB="0">
                     <a:lnL w="12700" cap="flat" cmpd="sng">
                       <a:solidFill>
                         <a:srgbClr val="9CC2E5"/>
@@ -5708,6 +5753,7 @@
                 <a:tc>
                   <a:txBody>
                     <a:bodyPr/>
+                    <a:lstStyle/>
                     <a:p>
                       <a:pPr indent="0">
                         <a:buNone/>
@@ -5732,7 +5778,7 @@
                       </a:endParaRPr>
                     </a:p>
                   </a:txBody>
-                  <a:tcPr marL="68580" marR="68580" marT="0" marB="0" vert="horz" anchor="t" anchorCtr="0">
+                  <a:tcPr marL="68580" marR="68580" marT="0" marB="0">
                     <a:lnL w="12700" cap="flat" cmpd="sng">
                       <a:solidFill>
                         <a:srgbClr val="9CC2E5"/>
@@ -5779,6 +5825,7 @@
                 <a:tc>
                   <a:txBody>
                     <a:bodyPr/>
+                    <a:lstStyle/>
                     <a:p>
                       <a:pPr indent="0">
                         <a:buNone/>
@@ -5803,7 +5850,7 @@
                       </a:endParaRPr>
                     </a:p>
                   </a:txBody>
-                  <a:tcPr marL="68580" marR="68580" marT="0" marB="0" vert="horz" anchor="t" anchorCtr="0">
+                  <a:tcPr marL="68580" marR="68580" marT="0" marB="0">
                     <a:lnL w="12700" cap="flat" cmpd="sng">
                       <a:solidFill>
                         <a:srgbClr val="9CC2E5"/>
@@ -5850,6 +5897,7 @@
                 <a:tc>
                   <a:txBody>
                     <a:bodyPr/>
+                    <a:lstStyle/>
                     <a:p>
                       <a:pPr indent="0">
                         <a:buNone/>
@@ -5874,7 +5922,7 @@
                       </a:endParaRPr>
                     </a:p>
                   </a:txBody>
-                  <a:tcPr marL="68580" marR="68580" marT="0" marB="0" vert="horz" anchor="t" anchorCtr="0">
+                  <a:tcPr marL="68580" marR="68580" marT="0" marB="0">
                     <a:lnL w="12700" cap="flat" cmpd="sng">
                       <a:solidFill>
                         <a:srgbClr val="9CC2E5"/>
@@ -5921,6 +5969,7 @@
                 <a:tc>
                   <a:txBody>
                     <a:bodyPr/>
+                    <a:lstStyle/>
                     <a:p>
                       <a:pPr indent="0">
                         <a:buNone/>
@@ -5945,7 +5994,7 @@
                       </a:endParaRPr>
                     </a:p>
                   </a:txBody>
-                  <a:tcPr marL="68580" marR="68580" marT="0" marB="0" vert="horz" anchor="t" anchorCtr="0">
+                  <a:tcPr marL="68580" marR="68580" marT="0" marB="0">
                     <a:lnL w="12700" cap="flat" cmpd="sng">
                       <a:solidFill>
                         <a:srgbClr val="9CC2E5"/>
@@ -5989,11 +6038,17 @@
                     </a:solidFill>
                   </a:tcPr>
                 </a:tc>
+                <a:extLst>
+                  <a:ext uri="{0D108BD9-81ED-4DB2-BD59-A6C34878D82A}">
+                    <a16:rowId xmlns:a16="http://schemas.microsoft.com/office/drawing/2014/main" val="10000"/>
+                  </a:ext>
+                </a:extLst>
               </a:tr>
               <a:tr h="5139055">
                 <a:tc>
                   <a:txBody>
                     <a:bodyPr/>
+                    <a:lstStyle/>
                     <a:p>
                       <a:pPr indent="0">
                         <a:buNone/>
@@ -6012,7 +6067,7 @@
                       </a:endParaRPr>
                     </a:p>
                   </a:txBody>
-                  <a:tcPr marL="68580" marR="68580" marT="0" marB="0" vert="horz" anchor="t" anchorCtr="0">
+                  <a:tcPr marL="68580" marR="68580" marT="0" marB="0">
                     <a:lnL w="12700" cap="flat" cmpd="sng">
                       <a:solidFill>
                         <a:srgbClr val="9CC2E5"/>
@@ -6059,6 +6114,7 @@
                 <a:tc>
                   <a:txBody>
                     <a:bodyPr/>
+                    <a:lstStyle/>
                     <a:p>
                       <a:pPr indent="0">
                         <a:buNone/>
@@ -6077,7 +6133,7 @@
                       </a:endParaRPr>
                     </a:p>
                   </a:txBody>
-                  <a:tcPr marL="68580" marR="68580" marT="0" marB="0" vert="horz" anchor="t" anchorCtr="0">
+                  <a:tcPr marL="68580" marR="68580" marT="0" marB="0">
                     <a:lnL w="12700" cap="flat" cmpd="sng">
                       <a:solidFill>
                         <a:srgbClr val="9CC2E5"/>
@@ -6124,6 +6180,7 @@
                 <a:tc>
                   <a:txBody>
                     <a:bodyPr/>
+                    <a:lstStyle/>
                     <a:p>
                       <a:pPr indent="0">
                         <a:buNone/>
@@ -6142,7 +6199,7 @@
                       </a:endParaRPr>
                     </a:p>
                   </a:txBody>
-                  <a:tcPr marL="68580" marR="68580" marT="0" marB="0" vert="horz" anchor="t" anchorCtr="0">
+                  <a:tcPr marL="68580" marR="68580" marT="0" marB="0">
                     <a:lnL w="12700" cap="flat" cmpd="sng">
                       <a:solidFill>
                         <a:srgbClr val="9CC2E5"/>
@@ -6189,6 +6246,7 @@
                 <a:tc>
                   <a:txBody>
                     <a:bodyPr/>
+                    <a:lstStyle/>
                     <a:p>
                       <a:pPr indent="0">
                         <a:buNone/>
@@ -6207,7 +6265,7 @@
                       </a:endParaRPr>
                     </a:p>
                   </a:txBody>
-                  <a:tcPr marL="68580" marR="68580" marT="0" marB="0" vert="horz" anchor="t" anchorCtr="0">
+                  <a:tcPr marL="68580" marR="68580" marT="0" marB="0">
                     <a:lnL w="12700" cap="flat" cmpd="sng">
                       <a:solidFill>
                         <a:srgbClr val="9CC2E5"/>
@@ -6254,6 +6312,7 @@
                 <a:tc>
                   <a:txBody>
                     <a:bodyPr/>
+                    <a:lstStyle/>
                     <a:p>
                       <a:pPr indent="0">
                         <a:buNone/>
@@ -6272,7 +6331,7 @@
                       </a:endParaRPr>
                     </a:p>
                   </a:txBody>
-                  <a:tcPr marL="68580" marR="68580" marT="0" marB="0" vert="horz" anchor="t" anchorCtr="0">
+                  <a:tcPr marL="68580" marR="68580" marT="0" marB="0">
                     <a:lnL w="12700" cap="flat" cmpd="sng">
                       <a:solidFill>
                         <a:srgbClr val="9CC2E5"/>
@@ -6319,6 +6378,7 @@
                 <a:tc>
                   <a:txBody>
                     <a:bodyPr/>
+                    <a:lstStyle/>
                     <a:p>
                       <a:pPr indent="0">
                         <a:buNone/>
@@ -6330,10 +6390,6 @@
                         </a:rPr>
                         <a:t>It is an Android Application.</a:t>
                       </a:r>
-                      <a:endParaRPr lang="en-US" sz="1800" b="0">
-                        <a:latin typeface="Times New Roman" panose="02020603050405020304" pitchFamily="18" charset="0"/>
-                        <a:cs typeface="Times New Roman" panose="02020603050405020304" pitchFamily="18" charset="0"/>
-                      </a:endParaRPr>
                     </a:p>
                     <a:p>
                       <a:pPr indent="0">
@@ -6353,7 +6409,7 @@
                       </a:endParaRPr>
                     </a:p>
                   </a:txBody>
-                  <a:tcPr marL="68580" marR="68580" marT="0" marB="0" vert="horz" anchor="t" anchorCtr="0">
+                  <a:tcPr marL="68580" marR="68580" marT="0" marB="0">
                     <a:lnL w="12700" cap="flat" cmpd="sng">
                       <a:solidFill>
                         <a:srgbClr val="9CC2E5"/>
@@ -6397,11 +6453,17 @@
                     </a:solidFill>
                   </a:tcPr>
                 </a:tc>
+                <a:extLst>
+                  <a:ext uri="{0D108BD9-81ED-4DB2-BD59-A6C34878D82A}">
+                    <a16:rowId xmlns:a16="http://schemas.microsoft.com/office/drawing/2014/main" val="10001"/>
+                  </a:ext>
+                </a:extLst>
               </a:tr>
               <a:tr h="230505">
                 <a:tc>
                   <a:txBody>
                     <a:bodyPr/>
+                    <a:lstStyle/>
                     <a:p>
                       <a:pPr indent="0">
                         <a:buNone/>
@@ -6420,7 +6482,7 @@
                       </a:endParaRPr>
                     </a:p>
                   </a:txBody>
-                  <a:tcPr marL="68580" marR="68580" marT="0" marB="0" vert="horz" anchor="t" anchorCtr="0">
+                  <a:tcPr marL="68580" marR="68580" marT="0" marB="0">
                     <a:lnL w="12700" cap="flat" cmpd="sng">
                       <a:solidFill>
                         <a:srgbClr val="9CC2E5"/>
@@ -6465,6 +6527,7 @@
                 <a:tc>
                   <a:txBody>
                     <a:bodyPr/>
+                    <a:lstStyle/>
                     <a:p>
                       <a:pPr indent="0">
                         <a:buNone/>
@@ -6483,7 +6546,7 @@
                       </a:endParaRPr>
                     </a:p>
                   </a:txBody>
-                  <a:tcPr marL="68580" marR="68580" marT="0" marB="0" vert="horz" anchor="t" anchorCtr="0">
+                  <a:tcPr marL="68580" marR="68580" marT="0" marB="0">
                     <a:lnL w="12700" cap="flat" cmpd="sng">
                       <a:solidFill>
                         <a:srgbClr val="9CC2E5"/>
@@ -6528,6 +6591,7 @@
                 <a:tc>
                   <a:txBody>
                     <a:bodyPr/>
+                    <a:lstStyle/>
                     <a:p>
                       <a:pPr indent="0">
                         <a:buNone/>
@@ -6546,7 +6610,7 @@
                       </a:endParaRPr>
                     </a:p>
                   </a:txBody>
-                  <a:tcPr marL="68580" marR="68580" marT="0" marB="0" vert="horz" anchor="t" anchorCtr="0">
+                  <a:tcPr marL="68580" marR="68580" marT="0" marB="0">
                     <a:lnL w="12700" cap="flat" cmpd="sng">
                       <a:solidFill>
                         <a:srgbClr val="9CC2E5"/>
@@ -6591,6 +6655,7 @@
                 <a:tc>
                   <a:txBody>
                     <a:bodyPr/>
+                    <a:lstStyle/>
                     <a:p>
                       <a:pPr indent="0">
                         <a:buNone/>
@@ -6609,7 +6674,7 @@
                       </a:endParaRPr>
                     </a:p>
                   </a:txBody>
-                  <a:tcPr marL="68580" marR="68580" marT="0" marB="0" vert="horz" anchor="t" anchorCtr="0">
+                  <a:tcPr marL="68580" marR="68580" marT="0" marB="0">
                     <a:lnL w="12700" cap="flat" cmpd="sng">
                       <a:solidFill>
                         <a:srgbClr val="9CC2E5"/>
@@ -6654,6 +6719,7 @@
                 <a:tc>
                   <a:txBody>
                     <a:bodyPr/>
+                    <a:lstStyle/>
                     <a:p>
                       <a:pPr indent="0">
                         <a:buNone/>
@@ -6672,7 +6738,7 @@
                       </a:endParaRPr>
                     </a:p>
                   </a:txBody>
-                  <a:tcPr marL="68580" marR="68580" marT="0" marB="0" vert="horz" anchor="t" anchorCtr="0">
+                  <a:tcPr marL="68580" marR="68580" marT="0" marB="0">
                     <a:lnL w="12700" cap="flat" cmpd="sng">
                       <a:solidFill>
                         <a:srgbClr val="9CC2E5"/>
@@ -6717,6 +6783,7 @@
                 <a:tc>
                   <a:txBody>
                     <a:bodyPr/>
+                    <a:lstStyle/>
                     <a:p>
                       <a:pPr indent="0">
                         <a:buNone/>
@@ -6728,7 +6795,7 @@
                       </a:endParaRPr>
                     </a:p>
                   </a:txBody>
-                  <a:tcPr marL="68580" marR="68580" marT="0" marB="0" vert="horz" anchor="t" anchorCtr="0">
+                  <a:tcPr marL="68580" marR="68580" marT="0" marB="0">
                     <a:lnL w="12700" cap="flat" cmpd="sng">
                       <a:solidFill>
                         <a:srgbClr val="9CC2E5"/>
@@ -6770,6 +6837,11 @@
                     <a:noFill/>
                   </a:tcPr>
                 </a:tc>
+                <a:extLst>
+                  <a:ext uri="{0D108BD9-81ED-4DB2-BD59-A6C34878D82A}">
+                    <a16:rowId xmlns:a16="http://schemas.microsoft.com/office/drawing/2014/main" val="10002"/>
+                  </a:ext>
+                </a:extLst>
               </a:tr>
             </a:tbl>
           </a:graphicData>
@@ -6792,7 +6864,14 @@
         <p:cNvGrpSpPr/>
         <p:nvPr/>
       </p:nvGrpSpPr>
-      <p:grpSpPr/>
+      <p:grpSpPr>
+        <a:xfrm>
+          <a:off x="0" y="0"/>
+          <a:ext cx="0" cy="0"/>
+          <a:chOff x="0" y="0"/>
+          <a:chExt cx="0" cy="0"/>
+        </a:xfrm>
+      </p:grpSpPr>
       <p:sp>
         <p:nvSpPr>
           <p:cNvPr id="5" name="Title 4"/>
@@ -6806,6 +6885,7 @@
         <p:spPr/>
         <p:txBody>
           <a:bodyPr/>
+          <a:lstStyle/>
           <a:p>
             <a:endParaRPr lang="en-US"/>
           </a:p>
@@ -6814,7 +6894,9 @@
       <p:graphicFrame>
         <p:nvGraphicFramePr>
           <p:cNvPr id="4" name="Content Placeholder 3"/>
-          <p:cNvGraphicFramePr/>
+          <p:cNvGraphicFramePr>
+            <a:graphicFrameLocks noGrp="1"/>
+          </p:cNvGraphicFramePr>
           <p:nvPr>
             <p:ph sz="half" idx="1"/>
           </p:nvPr>
@@ -6830,17 +6912,54 @@
                 <a:tableStyleId>{5940675A-B579-460E-94D1-54222C63F5DA}</a:tableStyleId>
               </a:tblPr>
               <a:tblGrid>
-                <a:gridCol w="1805940"/>
-                <a:gridCol w="1608455"/>
-                <a:gridCol w="1308100"/>
-                <a:gridCol w="1284605"/>
-                <a:gridCol w="1508125"/>
-                <a:gridCol w="1369060"/>
+                <a:gridCol w="1805940">
+                  <a:extLst>
+                    <a:ext uri="{9D8B030D-6E8A-4147-A177-3AD203B41FA5}">
+                      <a16:colId xmlns:a16="http://schemas.microsoft.com/office/drawing/2014/main" val="20000"/>
+                    </a:ext>
+                  </a:extLst>
+                </a:gridCol>
+                <a:gridCol w="1608455">
+                  <a:extLst>
+                    <a:ext uri="{9D8B030D-6E8A-4147-A177-3AD203B41FA5}">
+                      <a16:colId xmlns:a16="http://schemas.microsoft.com/office/drawing/2014/main" val="20001"/>
+                    </a:ext>
+                  </a:extLst>
+                </a:gridCol>
+                <a:gridCol w="1308100">
+                  <a:extLst>
+                    <a:ext uri="{9D8B030D-6E8A-4147-A177-3AD203B41FA5}">
+                      <a16:colId xmlns:a16="http://schemas.microsoft.com/office/drawing/2014/main" val="20002"/>
+                    </a:ext>
+                  </a:extLst>
+                </a:gridCol>
+                <a:gridCol w="1284605">
+                  <a:extLst>
+                    <a:ext uri="{9D8B030D-6E8A-4147-A177-3AD203B41FA5}">
+                      <a16:colId xmlns:a16="http://schemas.microsoft.com/office/drawing/2014/main" val="20003"/>
+                    </a:ext>
+                  </a:extLst>
+                </a:gridCol>
+                <a:gridCol w="1508125">
+                  <a:extLst>
+                    <a:ext uri="{9D8B030D-6E8A-4147-A177-3AD203B41FA5}">
+                      <a16:colId xmlns:a16="http://schemas.microsoft.com/office/drawing/2014/main" val="20004"/>
+                    </a:ext>
+                  </a:extLst>
+                </a:gridCol>
+                <a:gridCol w="1369060">
+                  <a:extLst>
+                    <a:ext uri="{9D8B030D-6E8A-4147-A177-3AD203B41FA5}">
+                      <a16:colId xmlns:a16="http://schemas.microsoft.com/office/drawing/2014/main" val="20005"/>
+                    </a:ext>
+                  </a:extLst>
+                </a:gridCol>
               </a:tblGrid>
               <a:tr h="5501640">
                 <a:tc>
                   <a:txBody>
                     <a:bodyPr/>
+                    <a:lstStyle/>
                     <a:p>
                       <a:pPr indent="0">
                         <a:buNone/>
@@ -6859,7 +6978,7 @@
                       </a:endParaRPr>
                     </a:p>
                   </a:txBody>
-                  <a:tcPr marL="68580" marR="68580" marT="0" marB="0" vert="horz" anchor="t" anchorCtr="0">
+                  <a:tcPr marL="68580" marR="68580" marT="0" marB="0">
                     <a:lnL w="12700" cap="flat" cmpd="sng">
                       <a:solidFill>
                         <a:srgbClr val="9CC2E5"/>
@@ -6904,6 +7023,7 @@
                 <a:tc>
                   <a:txBody>
                     <a:bodyPr/>
+                    <a:lstStyle/>
                     <a:p>
                       <a:pPr indent="0">
                         <a:buNone/>
@@ -6922,7 +7042,7 @@
                       </a:endParaRPr>
                     </a:p>
                   </a:txBody>
-                  <a:tcPr marL="68580" marR="68580" marT="0" marB="0" vert="horz" anchor="t" anchorCtr="0">
+                  <a:tcPr marL="68580" marR="68580" marT="0" marB="0">
                     <a:lnL w="12700" cap="flat" cmpd="sng">
                       <a:solidFill>
                         <a:srgbClr val="9CC2E5"/>
@@ -6967,6 +7087,7 @@
                 <a:tc>
                   <a:txBody>
                     <a:bodyPr/>
+                    <a:lstStyle/>
                     <a:p>
                       <a:pPr indent="0">
                         <a:buNone/>
@@ -6985,7 +7106,7 @@
                       </a:endParaRPr>
                     </a:p>
                   </a:txBody>
-                  <a:tcPr marL="68580" marR="68580" marT="0" marB="0" vert="horz" anchor="t" anchorCtr="0">
+                  <a:tcPr marL="68580" marR="68580" marT="0" marB="0">
                     <a:lnL w="12700" cap="flat" cmpd="sng">
                       <a:solidFill>
                         <a:srgbClr val="9CC2E5"/>
@@ -7030,6 +7151,7 @@
                 <a:tc>
                   <a:txBody>
                     <a:bodyPr/>
+                    <a:lstStyle/>
                     <a:p>
                       <a:pPr indent="0">
                         <a:buNone/>
@@ -7048,7 +7170,7 @@
                       </a:endParaRPr>
                     </a:p>
                   </a:txBody>
-                  <a:tcPr marL="68580" marR="68580" marT="0" marB="0" vert="horz" anchor="t" anchorCtr="0">
+                  <a:tcPr marL="68580" marR="68580" marT="0" marB="0">
                     <a:lnL w="12700" cap="flat" cmpd="sng">
                       <a:solidFill>
                         <a:srgbClr val="9CC2E5"/>
@@ -7093,6 +7215,7 @@
                 <a:tc>
                   <a:txBody>
                     <a:bodyPr/>
+                    <a:lstStyle/>
                     <a:p>
                       <a:pPr indent="0">
                         <a:buNone/>
@@ -7111,7 +7234,7 @@
                       </a:endParaRPr>
                     </a:p>
                   </a:txBody>
-                  <a:tcPr marL="68580" marR="68580" marT="0" marB="0" vert="horz" anchor="t" anchorCtr="0">
+                  <a:tcPr marL="68580" marR="68580" marT="0" marB="0">
                     <a:lnL w="12700" cap="flat" cmpd="sng">
                       <a:solidFill>
                         <a:srgbClr val="9CC2E5"/>
@@ -7156,6 +7279,7 @@
                 <a:tc>
                   <a:txBody>
                     <a:bodyPr/>
+                    <a:lstStyle/>
                     <a:p>
                       <a:pPr indent="0">
                         <a:buNone/>
@@ -7174,7 +7298,7 @@
                       </a:endParaRPr>
                     </a:p>
                   </a:txBody>
-                  <a:tcPr marL="68580" marR="68580" marT="0" marB="0" vert="horz" anchor="t" anchorCtr="0">
+                  <a:tcPr marL="68580" marR="68580" marT="0" marB="0">
                     <a:lnL w="12700" cap="flat" cmpd="sng">
                       <a:solidFill>
                         <a:srgbClr val="9CC2E5"/>
@@ -7216,6 +7340,11 @@
                     <a:noFill/>
                   </a:tcPr>
                 </a:tc>
+                <a:extLst>
+                  <a:ext uri="{0D108BD9-81ED-4DB2-BD59-A6C34878D82A}">
+                    <a16:rowId xmlns:a16="http://schemas.microsoft.com/office/drawing/2014/main" val="10000"/>
+                  </a:ext>
+                </a:extLst>
               </a:tr>
             </a:tbl>
           </a:graphicData>
@@ -7224,7 +7353,9 @@
       <p:graphicFrame>
         <p:nvGraphicFramePr>
           <p:cNvPr id="3" name="Content Placeholder 2"/>
-          <p:cNvGraphicFramePr/>
+          <p:cNvGraphicFramePr>
+            <a:graphicFrameLocks noGrp="1"/>
+          </p:cNvGraphicFramePr>
           <p:nvPr>
             <p:ph sz="half" idx="2"/>
           </p:nvPr>
@@ -7240,17 +7371,54 @@
                 <a:tableStyleId>{5940675A-B579-460E-94D1-54222C63F5DA}</a:tableStyleId>
               </a:tblPr>
               <a:tblGrid>
-                <a:gridCol w="1781810"/>
-                <a:gridCol w="1630680"/>
-                <a:gridCol w="1301750"/>
-                <a:gridCol w="1296670"/>
-                <a:gridCol w="1510030"/>
-                <a:gridCol w="1370330"/>
+                <a:gridCol w="1781810">
+                  <a:extLst>
+                    <a:ext uri="{9D8B030D-6E8A-4147-A177-3AD203B41FA5}">
+                      <a16:colId xmlns:a16="http://schemas.microsoft.com/office/drawing/2014/main" val="20000"/>
+                    </a:ext>
+                  </a:extLst>
+                </a:gridCol>
+                <a:gridCol w="1630680">
+                  <a:extLst>
+                    <a:ext uri="{9D8B030D-6E8A-4147-A177-3AD203B41FA5}">
+                      <a16:colId xmlns:a16="http://schemas.microsoft.com/office/drawing/2014/main" val="20001"/>
+                    </a:ext>
+                  </a:extLst>
+                </a:gridCol>
+                <a:gridCol w="1301750">
+                  <a:extLst>
+                    <a:ext uri="{9D8B030D-6E8A-4147-A177-3AD203B41FA5}">
+                      <a16:colId xmlns:a16="http://schemas.microsoft.com/office/drawing/2014/main" val="20002"/>
+                    </a:ext>
+                  </a:extLst>
+                </a:gridCol>
+                <a:gridCol w="1296670">
+                  <a:extLst>
+                    <a:ext uri="{9D8B030D-6E8A-4147-A177-3AD203B41FA5}">
+                      <a16:colId xmlns:a16="http://schemas.microsoft.com/office/drawing/2014/main" val="20003"/>
+                    </a:ext>
+                  </a:extLst>
+                </a:gridCol>
+                <a:gridCol w="1510030">
+                  <a:extLst>
+                    <a:ext uri="{9D8B030D-6E8A-4147-A177-3AD203B41FA5}">
+                      <a16:colId xmlns:a16="http://schemas.microsoft.com/office/drawing/2014/main" val="20004"/>
+                    </a:ext>
+                  </a:extLst>
+                </a:gridCol>
+                <a:gridCol w="1370330">
+                  <a:extLst>
+                    <a:ext uri="{9D8B030D-6E8A-4147-A177-3AD203B41FA5}">
+                      <a16:colId xmlns:a16="http://schemas.microsoft.com/office/drawing/2014/main" val="20005"/>
+                    </a:ext>
+                  </a:extLst>
+                </a:gridCol>
               </a:tblGrid>
               <a:tr h="946150">
                 <a:tc>
                   <a:txBody>
                     <a:bodyPr/>
+                    <a:lstStyle/>
                     <a:p>
                       <a:pPr indent="0">
                         <a:buNone/>
@@ -7275,7 +7443,7 @@
                       </a:endParaRPr>
                     </a:p>
                   </a:txBody>
-                  <a:tcPr marL="68580" marR="68580" marT="0" marB="0" vert="horz" anchor="t" anchorCtr="0">
+                  <a:tcPr marL="68580" marR="68580" marT="0" marB="0">
                     <a:lnL w="12700" cap="flat" cmpd="sng">
                       <a:solidFill>
                         <a:srgbClr val="5B9BD5"/>
@@ -7322,6 +7490,7 @@
                 <a:tc>
                   <a:txBody>
                     <a:bodyPr/>
+                    <a:lstStyle/>
                     <a:p>
                       <a:pPr indent="0">
                         <a:buNone/>
@@ -7346,7 +7515,7 @@
                       </a:endParaRPr>
                     </a:p>
                   </a:txBody>
-                  <a:tcPr marL="68580" marR="68580" marT="0" marB="0" vert="horz" anchor="t" anchorCtr="0">
+                  <a:tcPr marL="68580" marR="68580" marT="0" marB="0">
                     <a:lnL w="12700" cap="flat" cmpd="sng">
                       <a:solidFill>
                         <a:srgbClr val="9CC2E5"/>
@@ -7393,6 +7562,7 @@
                 <a:tc>
                   <a:txBody>
                     <a:bodyPr/>
+                    <a:lstStyle/>
                     <a:p>
                       <a:pPr indent="0">
                         <a:buNone/>
@@ -7417,7 +7587,7 @@
                       </a:endParaRPr>
                     </a:p>
                   </a:txBody>
-                  <a:tcPr marL="68580" marR="68580" marT="0" marB="0" vert="horz" anchor="t" anchorCtr="0">
+                  <a:tcPr marL="68580" marR="68580" marT="0" marB="0">
                     <a:lnL w="12700" cap="flat" cmpd="sng">
                       <a:solidFill>
                         <a:srgbClr val="9CC2E5"/>
@@ -7464,6 +7634,7 @@
                 <a:tc>
                   <a:txBody>
                     <a:bodyPr/>
+                    <a:lstStyle/>
                     <a:p>
                       <a:pPr indent="0">
                         <a:buNone/>
@@ -7488,7 +7659,7 @@
                       </a:endParaRPr>
                     </a:p>
                   </a:txBody>
-                  <a:tcPr marL="68580" marR="68580" marT="0" marB="0" vert="horz" anchor="t" anchorCtr="0">
+                  <a:tcPr marL="68580" marR="68580" marT="0" marB="0">
                     <a:lnL w="12700" cap="flat" cmpd="sng">
                       <a:solidFill>
                         <a:srgbClr val="9CC2E5"/>
@@ -7535,6 +7706,7 @@
                 <a:tc>
                   <a:txBody>
                     <a:bodyPr/>
+                    <a:lstStyle/>
                     <a:p>
                       <a:pPr indent="0">
                         <a:buNone/>
@@ -7559,7 +7731,7 @@
                       </a:endParaRPr>
                     </a:p>
                   </a:txBody>
-                  <a:tcPr marL="68580" marR="68580" marT="0" marB="0" vert="horz" anchor="t" anchorCtr="0">
+                  <a:tcPr marL="68580" marR="68580" marT="0" marB="0">
                     <a:lnL w="12700" cap="flat" cmpd="sng">
                       <a:solidFill>
                         <a:srgbClr val="9CC2E5"/>
@@ -7606,6 +7778,7 @@
                 <a:tc>
                   <a:txBody>
                     <a:bodyPr/>
+                    <a:lstStyle/>
                     <a:p>
                       <a:pPr indent="0">
                         <a:buNone/>
@@ -7630,7 +7803,7 @@
                       </a:endParaRPr>
                     </a:p>
                   </a:txBody>
-                  <a:tcPr marL="68580" marR="68580" marT="0" marB="0" vert="horz" anchor="t" anchorCtr="0">
+                  <a:tcPr marL="68580" marR="68580" marT="0" marB="0">
                     <a:lnL w="12700" cap="flat" cmpd="sng">
                       <a:solidFill>
                         <a:srgbClr val="9CC2E5"/>
@@ -7674,6 +7847,11 @@
                     </a:solidFill>
                   </a:tcPr>
                 </a:tc>
+                <a:extLst>
+                  <a:ext uri="{0D108BD9-81ED-4DB2-BD59-A6C34878D82A}">
+                    <a16:rowId xmlns:a16="http://schemas.microsoft.com/office/drawing/2014/main" val="10000"/>
+                  </a:ext>
+                </a:extLst>
               </a:tr>
             </a:tbl>
           </a:graphicData>
@@ -7696,7 +7874,14 @@
         <p:cNvGrpSpPr/>
         <p:nvPr/>
       </p:nvGrpSpPr>
-      <p:grpSpPr/>
+      <p:grpSpPr>
+        <a:xfrm>
+          <a:off x="0" y="0"/>
+          <a:ext cx="0" cy="0"/>
+          <a:chOff x="0" y="0"/>
+          <a:chExt cx="0" cy="0"/>
+        </a:xfrm>
+      </p:grpSpPr>
       <p:sp>
         <p:nvSpPr>
           <p:cNvPr id="7" name="Title 6"/>
@@ -7710,6 +7895,7 @@
         <p:spPr/>
         <p:txBody>
           <a:bodyPr/>
+          <a:lstStyle/>
           <a:p>
             <a:endParaRPr lang="en-US"/>
           </a:p>
@@ -7718,7 +7904,9 @@
       <p:graphicFrame>
         <p:nvGraphicFramePr>
           <p:cNvPr id="5" name="Content Placeholder 4"/>
-          <p:cNvGraphicFramePr/>
+          <p:cNvGraphicFramePr>
+            <a:graphicFrameLocks noGrp="1"/>
+          </p:cNvGraphicFramePr>
           <p:nvPr>
             <p:ph sz="half" idx="1"/>
           </p:nvPr>
@@ -7734,17 +7922,54 @@
                 <a:tableStyleId>{5940675A-B579-460E-94D1-54222C63F5DA}</a:tableStyleId>
               </a:tblPr>
               <a:tblGrid>
-                <a:gridCol w="1867535"/>
-                <a:gridCol w="1156335"/>
-                <a:gridCol w="1337310"/>
-                <a:gridCol w="1223010"/>
-                <a:gridCol w="1424305"/>
-                <a:gridCol w="1276350"/>
+                <a:gridCol w="1867535">
+                  <a:extLst>
+                    <a:ext uri="{9D8B030D-6E8A-4147-A177-3AD203B41FA5}">
+                      <a16:colId xmlns:a16="http://schemas.microsoft.com/office/drawing/2014/main" val="20000"/>
+                    </a:ext>
+                  </a:extLst>
+                </a:gridCol>
+                <a:gridCol w="1156335">
+                  <a:extLst>
+                    <a:ext uri="{9D8B030D-6E8A-4147-A177-3AD203B41FA5}">
+                      <a16:colId xmlns:a16="http://schemas.microsoft.com/office/drawing/2014/main" val="20001"/>
+                    </a:ext>
+                  </a:extLst>
+                </a:gridCol>
+                <a:gridCol w="1337310">
+                  <a:extLst>
+                    <a:ext uri="{9D8B030D-6E8A-4147-A177-3AD203B41FA5}">
+                      <a16:colId xmlns:a16="http://schemas.microsoft.com/office/drawing/2014/main" val="20002"/>
+                    </a:ext>
+                  </a:extLst>
+                </a:gridCol>
+                <a:gridCol w="1223010">
+                  <a:extLst>
+                    <a:ext uri="{9D8B030D-6E8A-4147-A177-3AD203B41FA5}">
+                      <a16:colId xmlns:a16="http://schemas.microsoft.com/office/drawing/2014/main" val="20003"/>
+                    </a:ext>
+                  </a:extLst>
+                </a:gridCol>
+                <a:gridCol w="1424305">
+                  <a:extLst>
+                    <a:ext uri="{9D8B030D-6E8A-4147-A177-3AD203B41FA5}">
+                      <a16:colId xmlns:a16="http://schemas.microsoft.com/office/drawing/2014/main" val="20004"/>
+                    </a:ext>
+                  </a:extLst>
+                </a:gridCol>
+                <a:gridCol w="1276350">
+                  <a:extLst>
+                    <a:ext uri="{9D8B030D-6E8A-4147-A177-3AD203B41FA5}">
+                      <a16:colId xmlns:a16="http://schemas.microsoft.com/office/drawing/2014/main" val="20005"/>
+                    </a:ext>
+                  </a:extLst>
+                </a:gridCol>
               </a:tblGrid>
               <a:tr h="4246245">
                 <a:tc>
                   <a:txBody>
                     <a:bodyPr/>
+                    <a:lstStyle/>
                     <a:p>
                       <a:pPr indent="0">
                         <a:buNone/>
@@ -7756,10 +7981,6 @@
                         </a:rPr>
                         <a:t> </a:t>
                       </a:r>
-                      <a:endParaRPr lang="en-US" sz="1600" b="1">
-                        <a:latin typeface="Times New Roman" panose="02020603050405020304" pitchFamily="18" charset="0"/>
-                        <a:cs typeface="Times New Roman" panose="02020603050405020304" pitchFamily="18" charset="0"/>
-                      </a:endParaRPr>
                     </a:p>
                     <a:p>
                       <a:pPr indent="0">
@@ -7772,10 +7993,6 @@
                         </a:rPr>
                         <a:t> </a:t>
                       </a:r>
-                      <a:endParaRPr lang="en-US" sz="1600" b="1">
-                        <a:latin typeface="Times New Roman" panose="02020603050405020304" pitchFamily="18" charset="0"/>
-                        <a:cs typeface="Times New Roman" panose="02020603050405020304" pitchFamily="18" charset="0"/>
-                      </a:endParaRPr>
                     </a:p>
                     <a:p>
                       <a:pPr indent="0">
@@ -7804,7 +8021,7 @@
                       </a:endParaRPr>
                     </a:p>
                   </a:txBody>
-                  <a:tcPr marL="68580" marR="68580" marT="0" marB="0" vert="horz" anchor="t" anchorCtr="0">
+                  <a:tcPr marL="68580" marR="68580" marT="0" marB="0">
                     <a:lnL w="12700" cap="flat" cmpd="sng">
                       <a:solidFill>
                         <a:srgbClr val="9CC2E5"/>
@@ -7851,6 +8068,7 @@
                 <a:tc>
                   <a:txBody>
                     <a:bodyPr/>
+                    <a:lstStyle/>
                     <a:p>
                       <a:pPr indent="0">
                         <a:buNone/>
@@ -7880,10 +8098,6 @@
                         </a:rPr>
                         <a:t> </a:t>
                       </a:r>
-                      <a:endParaRPr lang="en-US" sz="1600" b="0">
-                        <a:latin typeface="Times New Roman" panose="02020603050405020304" pitchFamily="18" charset="0"/>
-                        <a:cs typeface="Times New Roman" panose="02020603050405020304" pitchFamily="18" charset="0"/>
-                      </a:endParaRPr>
                     </a:p>
                     <a:p>
                       <a:pPr indent="0">
@@ -7896,10 +8110,6 @@
                         </a:rPr>
                         <a:t>Java, Javascript ,</a:t>
                       </a:r>
-                      <a:endParaRPr lang="en-US" sz="2000" b="0">
-                        <a:latin typeface="Times New Roman" panose="02020603050405020304" pitchFamily="18" charset="0"/>
-                        <a:cs typeface="Times New Roman" panose="02020603050405020304" pitchFamily="18" charset="0"/>
-                      </a:endParaRPr>
                     </a:p>
                     <a:p>
                       <a:pPr indent="0">
@@ -7919,7 +8129,7 @@
                       </a:endParaRPr>
                     </a:p>
                   </a:txBody>
-                  <a:tcPr marL="68580" marR="68580" marT="0" marB="0" vert="horz" anchor="t" anchorCtr="0">
+                  <a:tcPr marL="68580" marR="68580" marT="0" marB="0">
                     <a:lnL w="12700" cap="flat" cmpd="sng">
                       <a:solidFill>
                         <a:srgbClr val="9CC2E5"/>
@@ -7966,6 +8176,7 @@
                 <a:tc>
                   <a:txBody>
                     <a:bodyPr/>
+                    <a:lstStyle/>
                     <a:p>
                       <a:pPr indent="0">
                         <a:buNone/>
@@ -7986,10 +8197,6 @@
                         </a:rPr>
                         <a:t> </a:t>
                       </a:r>
-                      <a:endParaRPr lang="en-US" sz="1600" b="0">
-                        <a:latin typeface="Times New Roman" panose="02020603050405020304" pitchFamily="18" charset="0"/>
-                        <a:cs typeface="Times New Roman" panose="02020603050405020304" pitchFamily="18" charset="0"/>
-                      </a:endParaRPr>
                     </a:p>
                     <a:p>
                       <a:pPr indent="0">
@@ -8011,10 +8218,6 @@
                         </a:rPr>
                         <a:t>HTML, CSS,  </a:t>
                       </a:r>
-                      <a:endParaRPr lang="en-US" sz="1600" b="0">
-                        <a:latin typeface="Times New Roman" panose="02020603050405020304" pitchFamily="18" charset="0"/>
-                        <a:cs typeface="Times New Roman" panose="02020603050405020304" pitchFamily="18" charset="0"/>
-                      </a:endParaRPr>
                     </a:p>
                     <a:p>
                       <a:pPr indent="0">
@@ -8034,7 +8237,7 @@
                       </a:endParaRPr>
                     </a:p>
                   </a:txBody>
-                  <a:tcPr marL="68580" marR="68580" marT="0" marB="0" vert="horz" anchor="t" anchorCtr="0">
+                  <a:tcPr marL="68580" marR="68580" marT="0" marB="0">
                     <a:lnL w="12700" cap="flat" cmpd="sng">
                       <a:solidFill>
                         <a:srgbClr val="9CC2E5"/>
@@ -8081,6 +8284,7 @@
                 <a:tc>
                   <a:txBody>
                     <a:bodyPr/>
+                    <a:lstStyle/>
                     <a:p>
                       <a:pPr indent="0">
                         <a:buNone/>
@@ -8101,10 +8305,6 @@
                         </a:rPr>
                         <a:t> </a:t>
                       </a:r>
-                      <a:endParaRPr lang="en-US" sz="1600" b="0">
-                        <a:latin typeface="Times New Roman" panose="02020603050405020304" pitchFamily="18" charset="0"/>
-                        <a:cs typeface="Times New Roman" panose="02020603050405020304" pitchFamily="18" charset="0"/>
-                      </a:endParaRPr>
                     </a:p>
                     <a:p>
                       <a:pPr indent="0">
@@ -8126,10 +8326,6 @@
                         </a:rPr>
                         <a:t>Java/kotlin,</a:t>
                       </a:r>
-                      <a:endParaRPr lang="en-US" sz="1600" b="0">
-                        <a:latin typeface="Times New Roman" panose="02020603050405020304" pitchFamily="18" charset="0"/>
-                        <a:cs typeface="Times New Roman" panose="02020603050405020304" pitchFamily="18" charset="0"/>
-                      </a:endParaRPr>
                     </a:p>
                     <a:p>
                       <a:pPr indent="0">
@@ -8149,7 +8345,7 @@
                       </a:endParaRPr>
                     </a:p>
                   </a:txBody>
-                  <a:tcPr marL="68580" marR="68580" marT="0" marB="0" vert="horz" anchor="t" anchorCtr="0">
+                  <a:tcPr marL="68580" marR="68580" marT="0" marB="0">
                     <a:lnL w="12700" cap="flat" cmpd="sng">
                       <a:solidFill>
                         <a:srgbClr val="9CC2E5"/>
@@ -8196,6 +8392,7 @@
                 <a:tc>
                   <a:txBody>
                     <a:bodyPr/>
+                    <a:lstStyle/>
                     <a:p>
                       <a:pPr indent="0">
                         <a:buNone/>
@@ -8207,10 +8404,6 @@
                         </a:rPr>
                         <a:t> </a:t>
                       </a:r>
-                      <a:endParaRPr lang="en-US" sz="1600" b="0">
-                        <a:latin typeface="Times New Roman" panose="02020603050405020304" pitchFamily="18" charset="0"/>
-                        <a:cs typeface="Times New Roman" panose="02020603050405020304" pitchFamily="18" charset="0"/>
-                      </a:endParaRPr>
                     </a:p>
                     <a:p>
                       <a:pPr indent="0">
@@ -8241,10 +8434,6 @@
                         </a:rPr>
                         <a:t>Java, Javascript , </a:t>
                       </a:r>
-                      <a:endParaRPr lang="en-US" sz="1600" b="0">
-                        <a:latin typeface="Times New Roman" panose="02020603050405020304" pitchFamily="18" charset="0"/>
-                        <a:cs typeface="Times New Roman" panose="02020603050405020304" pitchFamily="18" charset="0"/>
-                      </a:endParaRPr>
                     </a:p>
                     <a:p>
                       <a:pPr indent="0">
@@ -8264,7 +8453,7 @@
                       </a:endParaRPr>
                     </a:p>
                   </a:txBody>
-                  <a:tcPr marL="68580" marR="68580" marT="0" marB="0" vert="horz" anchor="t" anchorCtr="0">
+                  <a:tcPr marL="68580" marR="68580" marT="0" marB="0">
                     <a:lnL w="12700" cap="flat" cmpd="sng">
                       <a:solidFill>
                         <a:srgbClr val="9CC2E5"/>
@@ -8311,6 +8500,7 @@
                 <a:tc>
                   <a:txBody>
                     <a:bodyPr/>
+                    <a:lstStyle/>
                     <a:p>
                       <a:pPr indent="0" algn="ctr">
                         <a:buNone/>
@@ -8340,10 +8530,6 @@
                         </a:rPr>
                         <a:t>Python,</a:t>
                       </a:r>
-                      <a:endParaRPr lang="en-US" sz="1600" b="0">
-                        <a:latin typeface="Times New Roman" panose="02020603050405020304" pitchFamily="18" charset="0"/>
-                        <a:cs typeface="Times New Roman" panose="02020603050405020304" pitchFamily="18" charset="0"/>
-                      </a:endParaRPr>
                     </a:p>
                     <a:p>
                       <a:pPr indent="0" algn="ctr">
@@ -8354,19 +8540,8 @@
                           <a:latin typeface="Times New Roman" panose="02020603050405020304" pitchFamily="18" charset="0"/>
                           <a:cs typeface="Times New Roman" panose="02020603050405020304" pitchFamily="18" charset="0"/>
                         </a:rPr>
-                        <a:t>Kotlin, </a:t>
+                        <a:t>Kotlin, Javascript ,</a:t>
                       </a:r>
-                      <a:r>
-                        <a:rPr lang="en-US" sz="1600" b="0">
-                          <a:latin typeface="Times New Roman" panose="02020603050405020304" pitchFamily="18" charset="0"/>
-                          <a:cs typeface="Times New Roman" panose="02020603050405020304" pitchFamily="18" charset="0"/>
-                        </a:rPr>
-                        <a:t>Javascript ,</a:t>
-                      </a:r>
-                      <a:endParaRPr lang="en-US" sz="1600" b="0">
-                        <a:latin typeface="Times New Roman" panose="02020603050405020304" pitchFamily="18" charset="0"/>
-                        <a:cs typeface="Times New Roman" panose="02020603050405020304" pitchFamily="18" charset="0"/>
-                      </a:endParaRPr>
                     </a:p>
                     <a:p>
                       <a:pPr indent="0" algn="ctr">
@@ -8379,10 +8554,6 @@
                         </a:rPr>
                         <a:t>HTML,</a:t>
                       </a:r>
-                      <a:endParaRPr lang="en-US" sz="1600" b="0">
-                        <a:latin typeface="Times New Roman" panose="02020603050405020304" pitchFamily="18" charset="0"/>
-                        <a:cs typeface="Times New Roman" panose="02020603050405020304" pitchFamily="18" charset="0"/>
-                      </a:endParaRPr>
                     </a:p>
                     <a:p>
                       <a:pPr indent="0" algn="ctr">
@@ -8395,10 +8566,6 @@
                         </a:rPr>
                         <a:t>CSS,</a:t>
                       </a:r>
-                      <a:endParaRPr lang="en-US" sz="1600" b="0">
-                        <a:latin typeface="Times New Roman" panose="02020603050405020304" pitchFamily="18" charset="0"/>
-                        <a:cs typeface="Times New Roman" panose="02020603050405020304" pitchFamily="18" charset="0"/>
-                      </a:endParaRPr>
                     </a:p>
                     <a:p>
                       <a:pPr indent="0" algn="ctr">
@@ -8411,10 +8578,6 @@
                         </a:rPr>
                         <a:t> Javascript</a:t>
                       </a:r>
-                      <a:endParaRPr lang="en-US" sz="1600" b="0">
-                        <a:latin typeface="Times New Roman" panose="02020603050405020304" pitchFamily="18" charset="0"/>
-                        <a:cs typeface="Times New Roman" panose="02020603050405020304" pitchFamily="18" charset="0"/>
-                      </a:endParaRPr>
                     </a:p>
                     <a:p>
                       <a:pPr indent="0" algn="ctr">
@@ -8442,7 +8605,7 @@
                       </a:endParaRPr>
                     </a:p>
                   </a:txBody>
-                  <a:tcPr marL="68580" marR="68580" marT="0" marB="0" vert="horz" anchor="t" anchorCtr="0">
+                  <a:tcPr marL="68580" marR="68580" marT="0" marB="0">
                     <a:lnL w="12700" cap="flat" cmpd="sng">
                       <a:solidFill>
                         <a:srgbClr val="9CC2E5"/>
@@ -8486,6 +8649,11 @@
                     </a:solidFill>
                   </a:tcPr>
                 </a:tc>
+                <a:extLst>
+                  <a:ext uri="{0D108BD9-81ED-4DB2-BD59-A6C34878D82A}">
+                    <a16:rowId xmlns:a16="http://schemas.microsoft.com/office/drawing/2014/main" val="10000"/>
+                  </a:ext>
+                </a:extLst>
               </a:tr>
             </a:tbl>
           </a:graphicData>
@@ -8494,7 +8662,9 @@
       <p:graphicFrame>
         <p:nvGraphicFramePr>
           <p:cNvPr id="6" name="Content Placeholder 5"/>
-          <p:cNvGraphicFramePr/>
+          <p:cNvGraphicFramePr>
+            <a:graphicFrameLocks noGrp="1"/>
+          </p:cNvGraphicFramePr>
           <p:nvPr>
             <p:ph sz="half" idx="2"/>
           </p:nvPr>
@@ -8510,17 +8680,54 @@
                 <a:tableStyleId>{5940675A-B579-460E-94D1-54222C63F5DA}</a:tableStyleId>
               </a:tblPr>
               <a:tblGrid>
-                <a:gridCol w="1878965"/>
-                <a:gridCol w="1188085"/>
-                <a:gridCol w="1315085"/>
-                <a:gridCol w="1224915"/>
-                <a:gridCol w="1408430"/>
-                <a:gridCol w="1277620"/>
+                <a:gridCol w="1878965">
+                  <a:extLst>
+                    <a:ext uri="{9D8B030D-6E8A-4147-A177-3AD203B41FA5}">
+                      <a16:colId xmlns:a16="http://schemas.microsoft.com/office/drawing/2014/main" val="20000"/>
+                    </a:ext>
+                  </a:extLst>
+                </a:gridCol>
+                <a:gridCol w="1188085">
+                  <a:extLst>
+                    <a:ext uri="{9D8B030D-6E8A-4147-A177-3AD203B41FA5}">
+                      <a16:colId xmlns:a16="http://schemas.microsoft.com/office/drawing/2014/main" val="20001"/>
+                    </a:ext>
+                  </a:extLst>
+                </a:gridCol>
+                <a:gridCol w="1315085">
+                  <a:extLst>
+                    <a:ext uri="{9D8B030D-6E8A-4147-A177-3AD203B41FA5}">
+                      <a16:colId xmlns:a16="http://schemas.microsoft.com/office/drawing/2014/main" val="20002"/>
+                    </a:ext>
+                  </a:extLst>
+                </a:gridCol>
+                <a:gridCol w="1224915">
+                  <a:extLst>
+                    <a:ext uri="{9D8B030D-6E8A-4147-A177-3AD203B41FA5}">
+                      <a16:colId xmlns:a16="http://schemas.microsoft.com/office/drawing/2014/main" val="20003"/>
+                    </a:ext>
+                  </a:extLst>
+                </a:gridCol>
+                <a:gridCol w="1408430">
+                  <a:extLst>
+                    <a:ext uri="{9D8B030D-6E8A-4147-A177-3AD203B41FA5}">
+                      <a16:colId xmlns:a16="http://schemas.microsoft.com/office/drawing/2014/main" val="20004"/>
+                    </a:ext>
+                  </a:extLst>
+                </a:gridCol>
+                <a:gridCol w="1277620">
+                  <a:extLst>
+                    <a:ext uri="{9D8B030D-6E8A-4147-A177-3AD203B41FA5}">
+                      <a16:colId xmlns:a16="http://schemas.microsoft.com/office/drawing/2014/main" val="20005"/>
+                    </a:ext>
+                  </a:extLst>
+                </a:gridCol>
               </a:tblGrid>
               <a:tr h="1772920">
                 <a:tc>
                   <a:txBody>
                     <a:bodyPr/>
+                    <a:lstStyle/>
                     <a:p>
                       <a:pPr indent="0">
                         <a:buNone/>
@@ -8545,7 +8752,7 @@
                       </a:endParaRPr>
                     </a:p>
                   </a:txBody>
-                  <a:tcPr marL="68580" marR="68580" marT="0" marB="0" vert="horz" anchor="t" anchorCtr="0">
+                  <a:tcPr marL="68580" marR="68580" marT="0" marB="0">
                     <a:lnL w="12700" cap="flat" cmpd="sng">
                       <a:solidFill>
                         <a:srgbClr val="5B9BD5"/>
@@ -8592,6 +8799,7 @@
                 <a:tc>
                   <a:txBody>
                     <a:bodyPr/>
+                    <a:lstStyle/>
                     <a:p>
                       <a:pPr indent="0">
                         <a:buNone/>
@@ -8616,7 +8824,7 @@
                       </a:endParaRPr>
                     </a:p>
                   </a:txBody>
-                  <a:tcPr marL="68580" marR="68580" marT="0" marB="0" vert="horz" anchor="t" anchorCtr="0">
+                  <a:tcPr marL="68580" marR="68580" marT="0" marB="0">
                     <a:lnL w="12700" cap="flat" cmpd="sng">
                       <a:solidFill>
                         <a:srgbClr val="9CC2E5"/>
@@ -8663,6 +8871,7 @@
                 <a:tc>
                   <a:txBody>
                     <a:bodyPr/>
+                    <a:lstStyle/>
                     <a:p>
                       <a:pPr indent="0">
                         <a:buNone/>
@@ -8687,7 +8896,7 @@
                       </a:endParaRPr>
                     </a:p>
                   </a:txBody>
-                  <a:tcPr marL="68580" marR="68580" marT="0" marB="0" vert="horz" anchor="t" anchorCtr="0">
+                  <a:tcPr marL="68580" marR="68580" marT="0" marB="0">
                     <a:lnL w="12700" cap="flat" cmpd="sng">
                       <a:solidFill>
                         <a:srgbClr val="9CC2E5"/>
@@ -8734,6 +8943,7 @@
                 <a:tc>
                   <a:txBody>
                     <a:bodyPr/>
+                    <a:lstStyle/>
                     <a:p>
                       <a:pPr indent="0">
                         <a:buNone/>
@@ -8758,7 +8968,7 @@
                       </a:endParaRPr>
                     </a:p>
                   </a:txBody>
-                  <a:tcPr marL="68580" marR="68580" marT="0" marB="0" vert="horz" anchor="t" anchorCtr="0">
+                  <a:tcPr marL="68580" marR="68580" marT="0" marB="0">
                     <a:lnL w="12700" cap="flat" cmpd="sng">
                       <a:solidFill>
                         <a:srgbClr val="9CC2E5"/>
@@ -8805,6 +9015,7 @@
                 <a:tc>
                   <a:txBody>
                     <a:bodyPr/>
+                    <a:lstStyle/>
                     <a:p>
                       <a:pPr indent="0">
                         <a:buNone/>
@@ -8829,7 +9040,7 @@
                       </a:endParaRPr>
                     </a:p>
                   </a:txBody>
-                  <a:tcPr marL="68580" marR="68580" marT="0" marB="0" vert="horz" anchor="t" anchorCtr="0">
+                  <a:tcPr marL="68580" marR="68580" marT="0" marB="0">
                     <a:lnL w="12700" cap="flat" cmpd="sng">
                       <a:solidFill>
                         <a:srgbClr val="9CC2E5"/>
@@ -8876,6 +9087,7 @@
                 <a:tc>
                   <a:txBody>
                     <a:bodyPr/>
+                    <a:lstStyle/>
                     <a:p>
                       <a:pPr indent="0">
                         <a:buNone/>
@@ -8900,7 +9112,7 @@
                       </a:endParaRPr>
                     </a:p>
                   </a:txBody>
-                  <a:tcPr marL="68580" marR="68580" marT="0" marB="0" vert="horz" anchor="t" anchorCtr="0">
+                  <a:tcPr marL="68580" marR="68580" marT="0" marB="0">
                     <a:lnL w="12700" cap="flat" cmpd="sng">
                       <a:solidFill>
                         <a:srgbClr val="9CC2E5"/>
@@ -8944,6 +9156,11 @@
                     </a:solidFill>
                   </a:tcPr>
                 </a:tc>
+                <a:extLst>
+                  <a:ext uri="{0D108BD9-81ED-4DB2-BD59-A6C34878D82A}">
+                    <a16:rowId xmlns:a16="http://schemas.microsoft.com/office/drawing/2014/main" val="10000"/>
+                  </a:ext>
+                </a:extLst>
               </a:tr>
             </a:tbl>
           </a:graphicData>
@@ -9127,7 +9344,7 @@
           <p:nvPr/>
         </p:nvPicPr>
         <p:blipFill>
-          <a:blip r:embed="rId1">
+          <a:blip r:embed="rId3">
             <a:extLst>
               <a:ext uri="{28A0092B-C50C-407E-A947-70E740481C1C}">
                 <a14:useLocalDpi xmlns:a14="http://schemas.microsoft.com/office/drawing/2010/main" val="0"/>
@@ -9243,21 +9460,6 @@
               </a:rPr>
               <a:t>Idea </a:t>
             </a:r>
-            <a:endParaRPr lang="en-US" sz="2400" b="1" dirty="0">
-              <a:solidFill>
-                <a:srgbClr val="0070C0"/>
-              </a:solidFill>
-              <a:effectLst>
-                <a:outerShdw blurRad="38100" dist="19050" dir="2700000" algn="tl" rotWithShape="0">
-                  <a:schemeClr val="dk1">
-                    <a:alpha val="40000"/>
-                  </a:schemeClr>
-                </a:outerShdw>
-              </a:effectLst>
-              <a:latin typeface="Times New Roman" panose="02020603050405020304" pitchFamily="18" charset="0"/>
-              <a:ea typeface="+mj-ea"/>
-              <a:cs typeface="Times New Roman" panose="02020603050405020304" pitchFamily="18" charset="0"/>
-            </a:endParaRPr>
           </a:p>
           <a:p>
             <a:r>
@@ -9342,21 +9544,6 @@
               </a:rPr>
               <a:t>Drawbacks:-</a:t>
             </a:r>
-            <a:endParaRPr lang="en-US" sz="2400" b="1" dirty="0">
-              <a:solidFill>
-                <a:srgbClr val="0070C0"/>
-              </a:solidFill>
-              <a:effectLst>
-                <a:outerShdw blurRad="38100" dist="19050" dir="2700000" algn="tl" rotWithShape="0">
-                  <a:schemeClr val="dk1">
-                    <a:alpha val="40000"/>
-                  </a:schemeClr>
-                </a:outerShdw>
-              </a:effectLst>
-              <a:latin typeface="Times New Roman" panose="02020603050405020304" pitchFamily="18" charset="0"/>
-              <a:ea typeface="+mj-ea"/>
-              <a:cs typeface="Times New Roman" panose="02020603050405020304" pitchFamily="18" charset="0"/>
-            </a:endParaRPr>
           </a:p>
           <a:p>
             <a:r>
@@ -9374,18 +9561,6 @@
               </a:rPr>
               <a:t>Mint sometimes has trouble syncing with financial institutions. The app requires users to repeatedly sign into their accounts with those institutions within the Mint app to continuously sync. Mint says it is constantly improving the app and advises users experiencing sync issues to disconnect and reconnect their financial accounts. If that doesn't work, Mint recommends users uninstall the Mint app and reinstall it to force through any updates to the app.</a:t>
             </a:r>
-            <a:endParaRPr lang="en-US" sz="2000" dirty="0">
-              <a:effectLst>
-                <a:outerShdw blurRad="38100" dist="19050" dir="2700000" algn="tl" rotWithShape="0">
-                  <a:schemeClr val="dk1">
-                    <a:alpha val="40000"/>
-                  </a:schemeClr>
-                </a:outerShdw>
-              </a:effectLst>
-              <a:latin typeface="Times New Roman" panose="02020603050405020304" pitchFamily="18" charset="0"/>
-              <a:ea typeface="+mj-ea"/>
-              <a:cs typeface="Times New Roman" panose="02020603050405020304" pitchFamily="18" charset="0"/>
-            </a:endParaRPr>
           </a:p>
         </p:txBody>
       </p:sp>
@@ -9570,7 +9745,7 @@
           <p:nvPr/>
         </p:nvPicPr>
         <p:blipFill>
-          <a:blip r:embed="rId1">
+          <a:blip r:embed="rId3">
             <a:extLst>
               <a:ext uri="{28A0092B-C50C-407E-A947-70E740481C1C}">
                 <a14:useLocalDpi xmlns:a14="http://schemas.microsoft.com/office/drawing/2010/main" val="0"/>
@@ -9641,18 +9816,6 @@
               </a:rPr>
               <a:t>Good budget started in 2009 as an experiment by Dayspring Technologies</a:t>
             </a:r>
-            <a:endParaRPr lang="en-IN" sz="2400" b="1" u="sng" dirty="0">
-              <a:effectLst>
-                <a:outerShdw blurRad="38100" dist="38100" dir="2700000" algn="tl">
-                  <a:srgbClr val="000000">
-                    <a:alpha val="43137"/>
-                  </a:srgbClr>
-                </a:outerShdw>
-              </a:effectLst>
-              <a:latin typeface="Times New Roman" panose="02020603050405020304" pitchFamily="18" charset="0"/>
-              <a:ea typeface="Calibri" panose="020F0502020204030204" pitchFamily="34" charset="0"/>
-              <a:cs typeface="Times New Roman" panose="02020603050405020304" pitchFamily="18" charset="0"/>
-            </a:endParaRPr>
           </a:p>
           <a:p>
             <a:r>
@@ -9673,21 +9836,6 @@
               </a:rPr>
               <a:t>Idea </a:t>
             </a:r>
-            <a:endParaRPr lang="en-US" sz="2400" b="1" dirty="0">
-              <a:solidFill>
-                <a:srgbClr val="0070C0"/>
-              </a:solidFill>
-              <a:effectLst>
-                <a:outerShdw blurRad="38100" dist="19050" dir="2700000" algn="tl" rotWithShape="0">
-                  <a:schemeClr val="dk1">
-                    <a:alpha val="40000"/>
-                  </a:schemeClr>
-                </a:outerShdw>
-              </a:effectLst>
-              <a:latin typeface="Times New Roman" panose="02020603050405020304" pitchFamily="18" charset="0"/>
-              <a:ea typeface="+mj-ea"/>
-              <a:cs typeface="Times New Roman" panose="02020603050405020304" pitchFamily="18" charset="0"/>
-            </a:endParaRPr>
           </a:p>
           <a:p>
             <a:r>
@@ -9789,21 +9937,6 @@
               </a:rPr>
               <a:t>Drawbacks :-</a:t>
             </a:r>
-            <a:endParaRPr lang="en-US" sz="2400" b="1" dirty="0">
-              <a:solidFill>
-                <a:srgbClr val="0070C0"/>
-              </a:solidFill>
-              <a:effectLst>
-                <a:outerShdw blurRad="38100" dist="19050" dir="2700000" algn="tl" rotWithShape="0">
-                  <a:schemeClr val="dk1">
-                    <a:alpha val="40000"/>
-                  </a:schemeClr>
-                </a:outerShdw>
-              </a:effectLst>
-              <a:latin typeface="Times New Roman" panose="02020603050405020304" pitchFamily="18" charset="0"/>
-              <a:ea typeface="+mj-ea"/>
-              <a:cs typeface="Times New Roman" panose="02020603050405020304" pitchFamily="18" charset="0"/>
-            </a:endParaRPr>
           </a:p>
           <a:p>
             <a:r>
@@ -9821,18 +9954,6 @@
               </a:rPr>
               <a:t>The envelope system is a unique personal finance philosophy that may not appeal to every user .Limited features  </a:t>
             </a:r>
-            <a:endParaRPr lang="en-US" sz="2000" dirty="0">
-              <a:effectLst>
-                <a:outerShdw blurRad="38100" dist="19050" dir="2700000" algn="tl" rotWithShape="0">
-                  <a:schemeClr val="dk1">
-                    <a:alpha val="40000"/>
-                  </a:schemeClr>
-                </a:outerShdw>
-              </a:effectLst>
-              <a:latin typeface="Times New Roman" panose="02020603050405020304" pitchFamily="18" charset="0"/>
-              <a:ea typeface="+mj-ea"/>
-              <a:cs typeface="Times New Roman" panose="02020603050405020304" pitchFamily="18" charset="0"/>
-            </a:endParaRPr>
           </a:p>
           <a:p>
             <a:endParaRPr lang="en-US" sz="2400" b="1" dirty="0">
@@ -10034,7 +10155,7 @@
           <p:nvPr/>
         </p:nvPicPr>
         <p:blipFill>
-          <a:blip r:embed="rId1">
+          <a:blip r:embed="rId3">
             <a:extLst>
               <a:ext uri="{28A0092B-C50C-407E-A947-70E740481C1C}">
                 <a14:useLocalDpi xmlns:a14="http://schemas.microsoft.com/office/drawing/2010/main" val="0"/>
@@ -10155,21 +10276,6 @@
               </a:rPr>
               <a:t>Idea </a:t>
             </a:r>
-            <a:endParaRPr lang="en-US" sz="2400" b="1" dirty="0">
-              <a:solidFill>
-                <a:srgbClr val="0070C0"/>
-              </a:solidFill>
-              <a:effectLst>
-                <a:outerShdw blurRad="38100" dist="19050" dir="2700000" algn="tl" rotWithShape="0">
-                  <a:schemeClr val="dk1">
-                    <a:alpha val="40000"/>
-                  </a:schemeClr>
-                </a:outerShdw>
-              </a:effectLst>
-              <a:latin typeface="Times New Roman" panose="02020603050405020304" pitchFamily="18" charset="0"/>
-              <a:ea typeface="+mj-ea"/>
-              <a:cs typeface="Times New Roman" panose="02020603050405020304" pitchFamily="18" charset="0"/>
-            </a:endParaRPr>
           </a:p>
           <a:p>
             <a:r>
@@ -10248,21 +10354,6 @@
               </a:rPr>
               <a:t>Drawbacks </a:t>
             </a:r>
-            <a:endParaRPr lang="en-US" sz="2400" b="1" dirty="0">
-              <a:solidFill>
-                <a:srgbClr val="0070C0"/>
-              </a:solidFill>
-              <a:effectLst>
-                <a:outerShdw blurRad="38100" dist="19050" dir="2700000" algn="tl" rotWithShape="0">
-                  <a:schemeClr val="dk1">
-                    <a:alpha val="40000"/>
-                  </a:schemeClr>
-                </a:outerShdw>
-              </a:effectLst>
-              <a:latin typeface="Times New Roman" panose="02020603050405020304" pitchFamily="18" charset="0"/>
-              <a:ea typeface="+mj-ea"/>
-              <a:cs typeface="Times New Roman" panose="02020603050405020304" pitchFamily="18" charset="0"/>
-            </a:endParaRPr>
           </a:p>
           <a:p>
             <a:r>
@@ -10277,15 +10368,6 @@
               </a:rPr>
               <a:t>The above mentioned application may not allow you to customize categories or reports to fit your unique financial situation. This can be frustrating if you have specific financial goals or need to track unusual expenses.</a:t>
             </a:r>
-            <a:endParaRPr lang="en-US" sz="2000" dirty="0">
-              <a:solidFill>
-                <a:schemeClr val="tx1"/>
-              </a:solidFill>
-              <a:effectLst/>
-              <a:latin typeface="Times New Roman" panose="02020603050405020304" pitchFamily="18" charset="0"/>
-              <a:ea typeface="+mj-ea"/>
-              <a:cs typeface="Times New Roman" panose="02020603050405020304" pitchFamily="18" charset="0"/>
-            </a:endParaRPr>
           </a:p>
         </p:txBody>
       </p:sp>
@@ -10470,7 +10552,7 @@
           <p:nvPr/>
         </p:nvPicPr>
         <p:blipFill>
-          <a:blip r:embed="rId1">
+          <a:blip r:embed="rId3">
             <a:extLst>
               <a:ext uri="{28A0092B-C50C-407E-A947-70E740481C1C}">
                 <a14:useLocalDpi xmlns:a14="http://schemas.microsoft.com/office/drawing/2010/main" val="0"/>
@@ -10576,21 +10658,6 @@
               </a:rPr>
               <a:t>Idea </a:t>
             </a:r>
-            <a:endParaRPr lang="en-US" sz="2400" b="1" dirty="0">
-              <a:solidFill>
-                <a:srgbClr val="0070C0"/>
-              </a:solidFill>
-              <a:effectLst>
-                <a:outerShdw blurRad="38100" dist="19050" dir="2700000" algn="tl" rotWithShape="0">
-                  <a:schemeClr val="dk1">
-                    <a:alpha val="40000"/>
-                  </a:schemeClr>
-                </a:outerShdw>
-              </a:effectLst>
-              <a:latin typeface="Times New Roman" panose="02020603050405020304" pitchFamily="18" charset="0"/>
-              <a:ea typeface="+mj-ea"/>
-              <a:cs typeface="Times New Roman" panose="02020603050405020304" pitchFamily="18" charset="0"/>
-            </a:endParaRPr>
           </a:p>
           <a:p>
             <a:r>
@@ -10668,21 +10735,6 @@
               </a:rPr>
               <a:t>Drawbacks </a:t>
             </a:r>
-            <a:endParaRPr lang="en-US" sz="2400" b="1" dirty="0">
-              <a:solidFill>
-                <a:srgbClr val="0070C0"/>
-              </a:solidFill>
-              <a:effectLst>
-                <a:outerShdw blurRad="38100" dist="19050" dir="2700000" algn="tl" rotWithShape="0">
-                  <a:schemeClr val="dk1">
-                    <a:alpha val="40000"/>
-                  </a:schemeClr>
-                </a:outerShdw>
-              </a:effectLst>
-              <a:latin typeface="Times New Roman" panose="02020603050405020304" pitchFamily="18" charset="0"/>
-              <a:ea typeface="+mj-ea"/>
-              <a:cs typeface="Times New Roman" panose="02020603050405020304" pitchFamily="18" charset="0"/>
-            </a:endParaRPr>
           </a:p>
           <a:p>
             <a:r>
@@ -10697,15 +10749,6 @@
               </a:rPr>
               <a:t>This app does not allow users to tailor the software to their specific needs. This lack of customization can be frustrating for individuals with unique financial situations.</a:t>
             </a:r>
-            <a:endParaRPr lang="en-US" sz="2000" dirty="0">
-              <a:solidFill>
-                <a:schemeClr val="tx1"/>
-              </a:solidFill>
-              <a:effectLst/>
-              <a:latin typeface="Calibri" panose="020F0502020204030204" pitchFamily="34" charset="0"/>
-              <a:ea typeface="+mj-ea"/>
-              <a:cs typeface="Calibri" panose="020F0502020204030204" pitchFamily="34" charset="0"/>
-            </a:endParaRPr>
           </a:p>
         </p:txBody>
       </p:sp>
@@ -10729,7 +10772,14 @@
         <p:cNvGrpSpPr/>
         <p:nvPr/>
       </p:nvGrpSpPr>
-      <p:grpSpPr/>
+      <p:grpSpPr>
+        <a:xfrm>
+          <a:off x="0" y="0"/>
+          <a:ext cx="0" cy="0"/>
+          <a:chOff x="0" y="0"/>
+          <a:chExt cx="0" cy="0"/>
+        </a:xfrm>
+      </p:grpSpPr>
       <p:sp>
         <p:nvSpPr>
           <p:cNvPr id="2" name="Title 1"/>
@@ -10745,6 +10795,7 @@
           <a:bodyPr>
             <a:normAutofit/>
           </a:bodyPr>
+          <a:lstStyle/>
           <a:p>
             <a:r>
               <a:rPr lang="en-US" sz="3200">
@@ -10806,14 +10857,14 @@
         <p:nvPicPr>
           <p:cNvPr id="6" name="Content Placeholder 5"/>
           <p:cNvPicPr>
-            <a:picLocks noChangeAspect="1"/>
+            <a:picLocks noGrp="1" noChangeAspect="1"/>
           </p:cNvPicPr>
           <p:nvPr>
             <p:ph idx="1"/>
           </p:nvPr>
         </p:nvPicPr>
         <p:blipFill>
-          <a:blip r:embed="rId1">
+          <a:blip r:embed="rId2">
             <a:extLst>
               <a:ext uri="{28A0092B-C50C-407E-A947-70E740481C1C}">
                 <a14:useLocalDpi xmlns:a14="http://schemas.microsoft.com/office/drawing/2010/main" val="0"/>
@@ -10894,12 +10945,12 @@
           <a:bodyPr wrap="square" rtlCol="0">
             <a:spAutoFit/>
           </a:bodyPr>
+          <a:lstStyle/>
           <a:p>
             <a:r>
               <a:rPr lang="en-US" sz="2400"/>
               <a:t>Our app is focused on helping individuals manage their personal finances effectively. The app will address various financial aspects, including expense tracking, income management, budgeting, financial goals, savings, investments, insights, and security. Users will be able to register, create profiles, and access features such as expense analysis, reminders, and financial tips. The goal is to create a user-friendly, secure, and cross-platform app that empowers users to make informed financial decisions and achieve their financial goals.</a:t>
             </a:r>
-            <a:endParaRPr lang="en-US" sz="2400"/>
           </a:p>
         </p:txBody>
       </p:sp>
@@ -10962,13 +11013,6 @@
               </a:rPr>
               <a:t>Budget Management System</a:t>
             </a:r>
-            <a:endParaRPr lang="en-IN" sz="4000" dirty="0">
-              <a:solidFill>
-                <a:schemeClr val="bg1"/>
-              </a:solidFill>
-              <a:latin typeface="Cambria" panose="02040503050406030204" charset="0"/>
-              <a:cs typeface="Cambria" panose="02040503050406030204" charset="0"/>
-            </a:endParaRPr>
           </a:p>
         </p:txBody>
       </p:sp>
@@ -11005,13 +11049,6 @@
               </a:rPr>
               <a:t>Group members:[group no]</a:t>
             </a:r>
-            <a:endParaRPr lang="en-IN" altLang="en-US" sz="2800" b="1" dirty="0">
-              <a:solidFill>
-                <a:schemeClr val="tx1"/>
-              </a:solidFill>
-              <a:latin typeface="Cambria" panose="02040503050406030204" charset="0"/>
-              <a:cs typeface="Cambria" panose="02040503050406030204" charset="0"/>
-            </a:endParaRPr>
           </a:p>
           <a:p>
             <a:r>
@@ -11054,13 +11091,6 @@
               </a:rPr>
               <a:t>        1022246</a:t>
             </a:r>
-            <a:endParaRPr lang="en-IN" altLang="en-US" sz="2400" dirty="0">
-              <a:solidFill>
-                <a:schemeClr val="tx1"/>
-              </a:solidFill>
-              <a:latin typeface="Cambria" panose="02040503050406030204" charset="0"/>
-              <a:cs typeface="Cambria" panose="02040503050406030204" charset="0"/>
-            </a:endParaRPr>
           </a:p>
           <a:p>
             <a:r>
@@ -11093,13 +11123,6 @@
               </a:rPr>
               <a:t>Swastik Sharma                   1022251</a:t>
             </a:r>
-            <a:endParaRPr lang="en-IN" altLang="en-US" sz="2400" dirty="0">
-              <a:solidFill>
-                <a:schemeClr val="tx1"/>
-              </a:solidFill>
-              <a:latin typeface="Cambria" panose="02040503050406030204" charset="0"/>
-              <a:cs typeface="Cambria" panose="02040503050406030204" charset="0"/>
-            </a:endParaRPr>
           </a:p>
           <a:p>
             <a:r>
@@ -11112,13 +11135,6 @@
               </a:rPr>
               <a:t>Shaun Thomas Jacob          1022252</a:t>
             </a:r>
-            <a:endParaRPr lang="en-IN" altLang="en-US" sz="2400" dirty="0">
-              <a:solidFill>
-                <a:schemeClr val="tx1"/>
-              </a:solidFill>
-              <a:latin typeface="Cambria" panose="02040503050406030204" charset="0"/>
-              <a:cs typeface="Cambria" panose="02040503050406030204" charset="0"/>
-            </a:endParaRPr>
           </a:p>
         </p:txBody>
       </p:sp>
@@ -11129,7 +11145,7 @@
           <p:nvPr/>
         </p:nvPicPr>
         <p:blipFill>
-          <a:blip r:embed="rId1">
+          <a:blip r:embed="rId2">
             <a:extLst>
               <a:ext uri="{28A0092B-C50C-407E-A947-70E740481C1C}">
                 <a14:useLocalDpi xmlns:a14="http://schemas.microsoft.com/office/drawing/2010/main" val="0"/>
@@ -11175,7 +11191,14 @@
         <p:cNvGrpSpPr/>
         <p:nvPr/>
       </p:nvGrpSpPr>
-      <p:grpSpPr/>
+      <p:grpSpPr>
+        <a:xfrm>
+          <a:off x="0" y="0"/>
+          <a:ext cx="0" cy="0"/>
+          <a:chOff x="0" y="0"/>
+          <a:chExt cx="0" cy="0"/>
+        </a:xfrm>
+      </p:grpSpPr>
       <p:sp>
         <p:nvSpPr>
           <p:cNvPr id="5" name="Title 4"/>
@@ -11189,6 +11212,7 @@
         <p:spPr/>
         <p:txBody>
           <a:bodyPr/>
+          <a:lstStyle/>
           <a:p>
             <a:r>
               <a:rPr lang="en-US" sz="3200">
@@ -11209,22 +11233,6 @@
               </a:rPr>
               <a:t>SCOPE</a:t>
             </a:r>
-            <a:endParaRPr lang="en-US" sz="3200">
-              <a:solidFill>
-                <a:schemeClr val="tx2">
-                  <a:lumMod val="75000"/>
-                </a:schemeClr>
-              </a:solidFill>
-              <a:effectLst>
-                <a:outerShdw blurRad="38100" dist="38100" dir="2700000" algn="tl">
-                  <a:srgbClr val="000000">
-                    <a:alpha val="43137"/>
-                  </a:srgbClr>
-                </a:outerShdw>
-              </a:effectLst>
-              <a:latin typeface="Times New Roman" panose="02020603050405020304" pitchFamily="18" charset="0"/>
-              <a:cs typeface="Times New Roman" panose="02020603050405020304" pitchFamily="18" charset="0"/>
-            </a:endParaRPr>
           </a:p>
         </p:txBody>
       </p:sp>
@@ -11267,14 +11275,14 @@
         <p:nvPicPr>
           <p:cNvPr id="6" name="Content Placeholder 5"/>
           <p:cNvPicPr>
-            <a:picLocks noChangeAspect="1"/>
+            <a:picLocks noGrp="1" noChangeAspect="1"/>
           </p:cNvPicPr>
           <p:nvPr>
             <p:ph idx="1"/>
           </p:nvPr>
         </p:nvPicPr>
         <p:blipFill>
-          <a:blip r:embed="rId1">
+          <a:blip r:embed="rId2">
             <a:extLst>
               <a:ext uri="{28A0092B-C50C-407E-A947-70E740481C1C}">
                 <a14:useLocalDpi xmlns:a14="http://schemas.microsoft.com/office/drawing/2010/main" val="0"/>
@@ -11320,6 +11328,7 @@
           <a:bodyPr wrap="square" rtlCol="0">
             <a:spAutoFit/>
           </a:bodyPr>
+          <a:lstStyle/>
           <a:p>
             <a:endParaRPr lang="en-US">
               <a:cs typeface="+mn-lt"/>
@@ -11332,9 +11341,6 @@
               </a:rPr>
               <a:t>The scope for creating this budget management app involves several essential components. Firstly, it covers user management, including user registration, authentication, and profile management. Secondly, it encompasses the management of financial data, such as tracking expenses, managing income sources, setting and monitoring budgets, and establishing financial goals. The app will also provide financial tools for savings and investments management, generating insights into financial activities, and analyzing expenses. Users will receive assistance through reminders and alerts for financial tasks and access to useful financial resources. Data security and privacy will be paramount. Comprehensive documentation and representation will be created, and the project will include deployment, ongoing maintenance, and the integration of user feedback to continuously improve the app's features and usability. Scope for future enhancement will be implementation on android platform.</a:t>
             </a:r>
-            <a:endParaRPr lang="en-US" sz="2000">
-              <a:cs typeface="+mn-lt"/>
-            </a:endParaRPr>
           </a:p>
         </p:txBody>
       </p:sp>
@@ -11365,6 +11371,100 @@
       </p:grpSpPr>
       <p:sp>
         <p:nvSpPr>
+          <p:cNvPr id="2" name="Title 1">
+            <a:extLst>
+              <a:ext uri="{FF2B5EF4-FFF2-40B4-BE49-F238E27FC236}">
+                <a16:creationId xmlns:a16="http://schemas.microsoft.com/office/drawing/2014/main" id="{40C90674-D04D-0368-51D0-D03A364ED0BB}"/>
+              </a:ext>
+            </a:extLst>
+          </p:cNvPr>
+          <p:cNvSpPr>
+            <a:spLocks noGrp="1"/>
+          </p:cNvSpPr>
+          <p:nvPr>
+            <p:ph type="title"/>
+          </p:nvPr>
+        </p:nvSpPr>
+        <p:spPr/>
+        <p:txBody>
+          <a:bodyPr/>
+          <a:lstStyle/>
+          <a:p>
+            <a:r>
+              <a:rPr lang="en-US" dirty="0"/>
+              <a:t>Flow chart </a:t>
+            </a:r>
+            <a:endParaRPr lang="en-IN" dirty="0"/>
+          </a:p>
+        </p:txBody>
+      </p:sp>
+      <p:pic>
+        <p:nvPicPr>
+          <p:cNvPr id="5" name="Content Placeholder 4">
+            <a:extLst>
+              <a:ext uri="{FF2B5EF4-FFF2-40B4-BE49-F238E27FC236}">
+                <a16:creationId xmlns:a16="http://schemas.microsoft.com/office/drawing/2014/main" id="{BD9BB0A5-636E-A77D-8E15-9D8735C852A1}"/>
+              </a:ext>
+            </a:extLst>
+          </p:cNvPr>
+          <p:cNvPicPr>
+            <a:picLocks noGrp="1" noChangeAspect="1"/>
+          </p:cNvPicPr>
+          <p:nvPr>
+            <p:ph idx="1"/>
+          </p:nvPr>
+        </p:nvPicPr>
+        <p:blipFill>
+          <a:blip r:embed="rId2">
+            <a:extLst>
+              <a:ext uri="{28A0092B-C50C-407E-A947-70E740481C1C}">
+                <a14:useLocalDpi xmlns:a14="http://schemas.microsoft.com/office/drawing/2010/main" val="0"/>
+              </a:ext>
+            </a:extLst>
+          </a:blip>
+          <a:stretch>
+            <a:fillRect/>
+          </a:stretch>
+        </p:blipFill>
+        <p:spPr>
+          <a:xfrm>
+            <a:off x="1242125" y="1600200"/>
+            <a:ext cx="6659750" cy="4525963"/>
+          </a:xfrm>
+        </p:spPr>
+      </p:pic>
+    </p:spTree>
+    <p:extLst>
+      <p:ext uri="{BB962C8B-B14F-4D97-AF65-F5344CB8AC3E}">
+        <p14:creationId xmlns:p14="http://schemas.microsoft.com/office/powerpoint/2010/main" val="3603920673"/>
+      </p:ext>
+    </p:extLst>
+  </p:cSld>
+  <p:clrMapOvr>
+    <a:masterClrMapping/>
+  </p:clrMapOvr>
+</p:sld>
+</file>
+
+<file path=ppt/slides/slide22.xml><?xml version="1.0" encoding="utf-8"?>
+<p:sld xmlns:a="http://schemas.openxmlformats.org/drawingml/2006/main" xmlns:r="http://schemas.openxmlformats.org/officeDocument/2006/relationships" xmlns:p="http://schemas.openxmlformats.org/presentationml/2006/main">
+  <p:cSld>
+    <p:spTree>
+      <p:nvGrpSpPr>
+        <p:cNvPr id="1" name=""/>
+        <p:cNvGrpSpPr/>
+        <p:nvPr/>
+      </p:nvGrpSpPr>
+      <p:grpSpPr>
+        <a:xfrm>
+          <a:off x="0" y="0"/>
+          <a:ext cx="0" cy="0"/>
+          <a:chOff x="0" y="0"/>
+          <a:chExt cx="0" cy="0"/>
+        </a:xfrm>
+      </p:grpSpPr>
+      <p:sp>
+        <p:nvSpPr>
           <p:cNvPr id="2" name="Title 1"/>
           <p:cNvSpPr>
             <a:spLocks noGrp="1"/>
@@ -11471,10 +11571,6 @@
               </a:rPr>
               <a:t>This personal expense tracker is user-friendly , efficient in money management and it enhances the self control. </a:t>
             </a:r>
-            <a:endParaRPr lang="en-US" sz="2800" dirty="0">
-              <a:latin typeface="Calibri" panose="020F0502020204030204" pitchFamily="34" charset="0"/>
-              <a:cs typeface="Calibri" panose="020F0502020204030204" pitchFamily="34" charset="0"/>
-            </a:endParaRPr>
           </a:p>
         </p:txBody>
       </p:sp>
@@ -11520,7 +11616,7 @@
           <p:nvPr/>
         </p:nvPicPr>
         <p:blipFill>
-          <a:blip r:embed="rId1">
+          <a:blip r:embed="rId3">
             <a:extLst>
               <a:ext uri="{28A0092B-C50C-407E-A947-70E740481C1C}">
                 <a14:useLocalDpi xmlns:a14="http://schemas.microsoft.com/office/drawing/2010/main" val="0"/>
@@ -11557,7 +11653,7 @@
 </p:sld>
 </file>
 
-<file path=ppt/slides/slide22.xml><?xml version="1.0" encoding="utf-8"?>
+<file path=ppt/slides/slide23.xml><?xml version="1.0" encoding="utf-8"?>
 <p:sld xmlns:a="http://schemas.openxmlformats.org/drawingml/2006/main" xmlns:r="http://schemas.openxmlformats.org/officeDocument/2006/relationships" xmlns:p="http://schemas.openxmlformats.org/presentationml/2006/main">
   <p:cSld>
     <p:spTree>
@@ -11727,7 +11823,7 @@
           <p:nvPr/>
         </p:nvPicPr>
         <p:blipFill>
-          <a:blip r:embed="rId1">
+          <a:blip r:embed="rId3">
             <a:extLst>
               <a:ext uri="{28A0092B-C50C-407E-A947-70E740481C1C}">
                 <a14:useLocalDpi xmlns:a14="http://schemas.microsoft.com/office/drawing/2010/main" val="0"/>
@@ -11773,6 +11869,7 @@
           <a:bodyPr wrap="square" rtlCol="0">
             <a:spAutoFit/>
           </a:bodyPr>
+          <a:lstStyle/>
           <a:p>
             <a:endParaRPr lang="en-US"/>
           </a:p>
@@ -11789,7 +11886,7 @@
 </p:sld>
 </file>
 
-<file path=ppt/slides/slide23.xml><?xml version="1.0" encoding="utf-8"?>
+<file path=ppt/slides/slide24.xml><?xml version="1.0" encoding="utf-8"?>
 <p:sld xmlns:a="http://schemas.openxmlformats.org/drawingml/2006/main" xmlns:r="http://schemas.openxmlformats.org/officeDocument/2006/relationships" xmlns:p="http://schemas.openxmlformats.org/presentationml/2006/main">
   <p:cSld>
     <p:spTree>
@@ -11874,36 +11971,6 @@
               </a:rPr>
               <a:t>Thank You!</a:t>
             </a:r>
-            <a:endParaRPr lang="en-US" sz="6000" b="1" dirty="0">
-              <a:ln w="12700">
-                <a:solidFill>
-                  <a:schemeClr val="tx2">
-                    <a:lumMod val="75000"/>
-                  </a:schemeClr>
-                </a:solidFill>
-                <a:prstDash val="solid"/>
-              </a:ln>
-              <a:pattFill prst="dkUpDiag">
-                <a:fgClr>
-                  <a:schemeClr val="tx2"/>
-                </a:fgClr>
-                <a:bgClr>
-                  <a:schemeClr val="tx2">
-                    <a:lumMod val="20000"/>
-                    <a:lumOff val="80000"/>
-                  </a:schemeClr>
-                </a:bgClr>
-              </a:pattFill>
-              <a:effectLst>
-                <a:outerShdw dist="38100" dir="2640000" algn="bl" rotWithShape="0">
-                  <a:schemeClr val="tx2">
-                    <a:lumMod val="75000"/>
-                  </a:schemeClr>
-                </a:outerShdw>
-              </a:effectLst>
-              <a:latin typeface="Times New Roman" panose="02020603050405020304" pitchFamily="18" charset="0"/>
-              <a:cs typeface="Times New Roman" panose="02020603050405020304" pitchFamily="18" charset="0"/>
-            </a:endParaRPr>
           </a:p>
           <a:p>
             <a:endParaRPr lang="en-US" sz="6000" dirty="0"/>
@@ -11917,7 +11984,7 @@
           <p:nvPr/>
         </p:nvPicPr>
         <p:blipFill>
-          <a:blip r:embed="rId1">
+          <a:blip r:embed="rId2">
             <a:extLst>
               <a:ext uri="{28A0092B-C50C-407E-A947-70E740481C1C}">
                 <a14:useLocalDpi xmlns:a14="http://schemas.microsoft.com/office/drawing/2010/main" val="0"/>
@@ -12138,13 +12205,6 @@
               </a:rPr>
               <a:t>Presentation Outline </a:t>
             </a:r>
-            <a:endParaRPr lang="en-US" b="1" dirty="0">
-              <a:solidFill>
-                <a:srgbClr val="002060"/>
-              </a:solidFill>
-              <a:latin typeface="Times New Roman" panose="02020603050405020304" pitchFamily="18" charset="0"/>
-              <a:cs typeface="Times New Roman" panose="02020603050405020304" pitchFamily="18" charset="0"/>
-            </a:endParaRPr>
           </a:p>
         </p:txBody>
       </p:sp>
@@ -12177,10 +12237,6 @@
               </a:rPr>
               <a:t>Abstract</a:t>
             </a:r>
-            <a:endParaRPr lang="en-IN" sz="2400" dirty="0">
-              <a:latin typeface="Times New Roman" panose="02020603050405020304" pitchFamily="18" charset="0"/>
-              <a:cs typeface="Times New Roman" panose="02020603050405020304" pitchFamily="18" charset="0"/>
-            </a:endParaRPr>
           </a:p>
           <a:p>
             <a:r>
@@ -12190,10 +12246,6 @@
               </a:rPr>
               <a:t>Introduction</a:t>
             </a:r>
-            <a:endParaRPr lang="en-IN" sz="2400" dirty="0">
-              <a:latin typeface="Times New Roman" panose="02020603050405020304" pitchFamily="18" charset="0"/>
-              <a:cs typeface="Times New Roman" panose="02020603050405020304" pitchFamily="18" charset="0"/>
-            </a:endParaRPr>
           </a:p>
           <a:p>
             <a:r>
@@ -12203,10 +12255,6 @@
               </a:rPr>
               <a:t>Literature Survey</a:t>
             </a:r>
-            <a:endParaRPr lang="en-IN" sz="2400" dirty="0">
-              <a:latin typeface="Times New Roman" panose="02020603050405020304" pitchFamily="18" charset="0"/>
-              <a:cs typeface="Times New Roman" panose="02020603050405020304" pitchFamily="18" charset="0"/>
-            </a:endParaRPr>
           </a:p>
           <a:p>
             <a:r>
@@ -12216,10 +12264,6 @@
               </a:rPr>
               <a:t>Existing System</a:t>
             </a:r>
-            <a:endParaRPr lang="en-IN" sz="2400" dirty="0">
-              <a:latin typeface="Times New Roman" panose="02020603050405020304" pitchFamily="18" charset="0"/>
-              <a:cs typeface="Times New Roman" panose="02020603050405020304" pitchFamily="18" charset="0"/>
-            </a:endParaRPr>
           </a:p>
           <a:p>
             <a:r>
@@ -12229,10 +12273,6 @@
               </a:rPr>
               <a:t>Proposed System</a:t>
             </a:r>
-            <a:endParaRPr lang="en-IN" sz="2400" dirty="0">
-              <a:latin typeface="Times New Roman" panose="02020603050405020304" pitchFamily="18" charset="0"/>
-              <a:cs typeface="Times New Roman" panose="02020603050405020304" pitchFamily="18" charset="0"/>
-            </a:endParaRPr>
           </a:p>
           <a:p>
             <a:r>
@@ -12242,10 +12282,6 @@
               </a:rPr>
               <a:t>Conclusion </a:t>
             </a:r>
-            <a:endParaRPr lang="en-US" sz="2400" dirty="0">
-              <a:latin typeface="Times New Roman" panose="02020603050405020304" pitchFamily="18" charset="0"/>
-              <a:cs typeface="Times New Roman" panose="02020603050405020304" pitchFamily="18" charset="0"/>
-            </a:endParaRPr>
           </a:p>
           <a:p>
             <a:r>
@@ -12304,7 +12340,7 @@
           <p:nvPr/>
         </p:nvPicPr>
         <p:blipFill>
-          <a:blip r:embed="rId1">
+          <a:blip r:embed="rId2">
             <a:extLst>
               <a:ext uri="{28A0092B-C50C-407E-A947-70E740481C1C}">
                 <a14:useLocalDpi xmlns:a14="http://schemas.microsoft.com/office/drawing/2010/main" val="0"/>
@@ -12511,7 +12547,7 @@
           <p:nvPr/>
         </p:nvPicPr>
         <p:blipFill>
-          <a:blip r:embed="rId1">
+          <a:blip r:embed="rId3">
             <a:extLst>
               <a:ext uri="{28A0092B-C50C-407E-A947-70E740481C1C}">
                 <a14:useLocalDpi xmlns:a14="http://schemas.microsoft.com/office/drawing/2010/main" val="0"/>
@@ -12800,7 +12836,7 @@
           <p:nvPr/>
         </p:nvPicPr>
         <p:blipFill>
-          <a:blip r:embed="rId1">
+          <a:blip r:embed="rId3">
             <a:extLst>
               <a:ext uri="{28A0092B-C50C-407E-A947-70E740481C1C}">
                 <a14:useLocalDpi xmlns:a14="http://schemas.microsoft.com/office/drawing/2010/main" val="0"/>
@@ -12923,12 +12959,6 @@
               </a:rPr>
               <a:t>The expense tracking/management system is the latest service adapted in this world. As people have a shortage of time and they don't like keeping constant accounts of their transactions, this system does the work for them. It helps organise spending in an proper manner and compare the expenses with previous transactions, thus helping the user to plan sufficient savings for each month. It shows data in terms of pictorial representations such as pie charts and graphs which are easier to understand. Users can input their financial data, including income sources and expenses, to get an overview of their financial health. This application permits various aspects like expense tracking, income management, bill reminders, budgeting, customisation, security and a user-friendly interface.</a:t>
             </a:r>
-            <a:endParaRPr lang="en-IN" sz="2000" kern="100" dirty="0">
-              <a:effectLst/>
-              <a:latin typeface="Calibri" panose="020F0502020204030204" pitchFamily="34" charset="0"/>
-              <a:ea typeface="Times New Roman" panose="02020603050405020304" pitchFamily="18" charset="0"/>
-              <a:cs typeface="Times New Roman" panose="02020603050405020304" pitchFamily="18" charset="0"/>
-            </a:endParaRPr>
           </a:p>
         </p:txBody>
       </p:sp>
@@ -13113,7 +13143,7 @@
           <p:nvPr/>
         </p:nvPicPr>
         <p:blipFill>
-          <a:blip r:embed="rId1">
+          <a:blip r:embed="rId3">
             <a:extLst>
               <a:ext uri="{28A0092B-C50C-407E-A947-70E740481C1C}">
                 <a14:useLocalDpi xmlns:a14="http://schemas.microsoft.com/office/drawing/2010/main" val="0"/>
@@ -13413,7 +13443,7 @@
           <p:nvPr/>
         </p:nvPicPr>
         <p:blipFill>
-          <a:blip r:embed="rId1">
+          <a:blip r:embed="rId3">
             <a:extLst>
               <a:ext uri="{28A0092B-C50C-407E-A947-70E740481C1C}">
                 <a14:useLocalDpi xmlns:a14="http://schemas.microsoft.com/office/drawing/2010/main" val="0"/>
@@ -13536,12 +13566,6 @@
               </a:rPr>
               <a:t>The aim of our project is to create a safe and user-friendly budget management solution. Our main goal is to build a simple platform that protects data privacy with different logins. Users will be given access to an easy-to-use screen where detailed budget details, including total revenue, expenses, and available balance, are displayed. Users can easily manage their financial data by providing options for tracking income and expenses. Additionally, users will have the freedom to set limits on spending for different expense categories, which will promote smart spending techniques. Through visual representations like charts or graphs, the technology will help users better understand their spending habits and spot areas for savings. Our goal is to create a flexible system that can respond to users' changing financial needs.</a:t>
             </a:r>
-            <a:endParaRPr lang="en-IN" sz="2000" kern="100" dirty="0">
-              <a:effectLst/>
-              <a:latin typeface="Calibri" panose="020F0502020204030204" pitchFamily="34" charset="0"/>
-              <a:ea typeface="Times New Roman" panose="02020603050405020304" pitchFamily="18" charset="0"/>
-              <a:cs typeface="Times New Roman" panose="02020603050405020304" pitchFamily="18" charset="0"/>
-            </a:endParaRPr>
           </a:p>
         </p:txBody>
       </p:sp>
@@ -13726,7 +13750,7 @@
           <p:nvPr/>
         </p:nvPicPr>
         <p:blipFill>
-          <a:blip r:embed="rId1">
+          <a:blip r:embed="rId3">
             <a:extLst>
               <a:ext uri="{28A0092B-C50C-407E-A947-70E740481C1C}">
                 <a14:useLocalDpi xmlns:a14="http://schemas.microsoft.com/office/drawing/2010/main" val="0"/>
@@ -13857,13 +13881,6 @@
               </a:rPr>
               <a:t>Idea mentioned in the paper</a:t>
             </a:r>
-            <a:endParaRPr lang="en-US" sz="2000" b="1" dirty="0">
-              <a:solidFill>
-                <a:srgbClr val="0070C0"/>
-              </a:solidFill>
-              <a:latin typeface="Times New Roman" panose="02020603050405020304" pitchFamily="18" charset="0"/>
-              <a:cs typeface="Times New Roman" panose="02020603050405020304" pitchFamily="18" charset="0"/>
-            </a:endParaRPr>
           </a:p>
           <a:p>
             <a:pPr>
@@ -13882,11 +13899,6 @@
               </a:rPr>
               <a:t>Mint.com is an online personal finance tool that enables users to monitor spending, establish budgets, and track financial health. For a complete overview, this free tool requires updating a few chosen financial accounts. Users can create customisable daily, weekly, or monthly reminders and keep tabs on their spending and credit scores.</a:t>
             </a:r>
-            <a:endParaRPr lang="en-IN" sz="1600" dirty="0">
-              <a:effectLst/>
-              <a:ea typeface="Calibri" panose="020F0502020204030204" pitchFamily="34" charset="0"/>
-              <a:cs typeface="Times New Roman" panose="02020603050405020304" pitchFamily="18" charset="0"/>
-            </a:endParaRPr>
           </a:p>
           <a:p>
             <a:pPr>
@@ -13905,11 +13917,6 @@
               </a:rPr>
               <a:t>Transaction categorization, which provides in-depth financial data, is a noteworthy feature. For accuracy's sake, purchases from several categories, such as "home improvement" and "groceries," can be divided. Cash spending tracking is helped by manual transaction entries. By selecting "cash" from the menu, the most recent ATM withdrawal will be properly deducted.</a:t>
             </a:r>
-            <a:endParaRPr lang="en-IN" sz="1600" dirty="0">
-              <a:effectLst/>
-              <a:ea typeface="Calibri" panose="020F0502020204030204" pitchFamily="34" charset="0"/>
-              <a:cs typeface="Times New Roman" panose="02020603050405020304" pitchFamily="18" charset="0"/>
-            </a:endParaRPr>
           </a:p>
           <a:p>
             <a:pPr>
@@ -13936,11 +13943,6 @@
               </a:rPr>
               <a:t>.</a:t>
             </a:r>
-            <a:endParaRPr lang="en-US" sz="2000" dirty="0">
-              <a:effectLst/>
-              <a:ea typeface="Calibri" panose="020F0502020204030204" pitchFamily="34" charset="0"/>
-              <a:cs typeface="Times New Roman" panose="02020603050405020304" pitchFamily="18" charset="0"/>
-            </a:endParaRPr>
           </a:p>
           <a:p>
             <a:pPr>
@@ -14195,7 +14197,7 @@
           <p:nvPr/>
         </p:nvPicPr>
         <p:blipFill>
-          <a:blip r:embed="rId1">
+          <a:blip r:embed="rId3">
             <a:extLst>
               <a:ext uri="{28A0092B-C50C-407E-A947-70E740481C1C}">
                 <a14:useLocalDpi xmlns:a14="http://schemas.microsoft.com/office/drawing/2010/main" val="0"/>
@@ -14266,18 +14268,6 @@
               </a:rPr>
               <a:t>Good budget started in 2009 as an experiment by Dayspring Technologies</a:t>
             </a:r>
-            <a:endParaRPr lang="en-IN" sz="2400" b="1" u="sng" dirty="0">
-              <a:effectLst>
-                <a:outerShdw blurRad="38100" dist="38100" dir="2700000" algn="tl">
-                  <a:srgbClr val="000000">
-                    <a:alpha val="43137"/>
-                  </a:srgbClr>
-                </a:outerShdw>
-              </a:effectLst>
-              <a:latin typeface="Times New Roman" panose="02020603050405020304" pitchFamily="18" charset="0"/>
-              <a:ea typeface="Calibri" panose="020F0502020204030204" pitchFamily="34" charset="0"/>
-              <a:cs typeface="Times New Roman" panose="02020603050405020304" pitchFamily="18" charset="0"/>
-            </a:endParaRPr>
           </a:p>
         </p:txBody>
       </p:sp>
@@ -14313,13 +14303,6 @@
               </a:rPr>
               <a:t>Idea mentioned in the paper</a:t>
             </a:r>
-            <a:endParaRPr lang="en-US" sz="2000" b="1" dirty="0">
-              <a:solidFill>
-                <a:srgbClr val="0070C0"/>
-              </a:solidFill>
-              <a:latin typeface="Times New Roman" panose="02020603050405020304" pitchFamily="18" charset="0"/>
-              <a:cs typeface="Times New Roman" panose="02020603050405020304" pitchFamily="18" charset="0"/>
-            </a:endParaRPr>
           </a:p>
           <a:p>
             <a:pPr>
@@ -14346,11 +14329,6 @@
               </a:rPr>
               <a:t> is a budgeting app that relies on the traditional envelope system to help users budget their monthly expenses. This app is a great fit for consumers who want to organize their priorities and get ahead financially.</a:t>
             </a:r>
-            <a:endParaRPr lang="en-IN" sz="2000" dirty="0">
-              <a:effectLst/>
-              <a:ea typeface="Calibri" panose="020F0502020204030204" pitchFamily="34" charset="0"/>
-              <a:cs typeface="Times New Roman" panose="02020603050405020304" pitchFamily="18" charset="0"/>
-            </a:endParaRPr>
           </a:p>
           <a:p>
             <a:pPr>
@@ -14385,11 +14363,6 @@
               </a:rPr>
               <a:t> provides excellent reporting tools to show your income against your spending, and how it varies month to month. In the app, there are easy-to-read graphs that can help you understand your spending habits.</a:t>
             </a:r>
-            <a:endParaRPr lang="en-IN" sz="2000" dirty="0">
-              <a:effectLst/>
-              <a:ea typeface="Calibri" panose="020F0502020204030204" pitchFamily="34" charset="0"/>
-              <a:cs typeface="Times New Roman" panose="02020603050405020304" pitchFamily="18" charset="0"/>
-            </a:endParaRPr>
           </a:p>
           <a:p>
             <a:r>
@@ -14745,6 +14718,8 @@
       </a:bgFillStyleLst>
     </a:fmtScheme>
   </a:themeElements>
+  <a:objectDefaults/>
+  <a:extraClrSchemeLst/>
   <a:extLst>
     <a:ext uri="{05A4C25C-085E-4340-85A3-A5531E510DB2}">
       <thm15:themeFamily xmlns:thm15="http://schemas.microsoft.com/office/thememl/2012/main" name="Office Theme" id="{62F939B6-93AF-4DB8-9C6B-D6C7DFDC589F}" vid="{4A3C46E8-61CC-4603-A589-7422A47A8E4A}"/>
@@ -15031,6 +15006,8 @@
       </a:bgFillStyleLst>
     </a:fmtScheme>
   </a:themeElements>
+  <a:objectDefaults/>
+  <a:extraClrSchemeLst/>
   <a:extLst>
     <a:ext uri="{05A4C25C-085E-4340-85A3-A5531E510DB2}">
       <thm15:themeFamily xmlns:thm15="http://schemas.microsoft.com/office/thememl/2012/main" name="Office Theme" id="{62F939B6-93AF-4DB8-9C6B-D6C7DFDC589F}" vid="{4A3C46E8-61CC-4603-A589-7422A47A8E4A}"/>
